--- a/3주차/세미나자료(3주차).pptx
+++ b/3주차/세미나자료(3주차).pptx
@@ -6466,7 +6466,7 @@
           <a:p>
             <a:r>
               <a:rPr kumimoji="1" lang="ko-KR" altLang="en-US" dirty="0"/>
-              <a:t>함깨 만들어보기 </a:t>
+              <a:t>함께 만들어보기 </a:t>
             </a:r>
             <a:r>
               <a:rPr kumimoji="1" lang="en-US" altLang="ko-KR" dirty="0"/>

--- a/3주차/세미나자료(3주차).pptx
+++ b/3주차/세미나자료(3주차).pptx
@@ -5,7 +5,7 @@
     <p:sldMasterId id="2147483648" r:id="rId1"/>
   </p:sldMasterIdLst>
   <p:notesMasterIdLst>
-    <p:notesMasterId r:id="rId16"/>
+    <p:notesMasterId r:id="rId17"/>
   </p:notesMasterIdLst>
   <p:sldIdLst>
     <p:sldId id="256" r:id="rId2"/>
@@ -13,15 +13,16 @@
     <p:sldId id="259" r:id="rId4"/>
     <p:sldId id="276" r:id="rId5"/>
     <p:sldId id="282" r:id="rId6"/>
-    <p:sldId id="264" r:id="rId7"/>
-    <p:sldId id="265" r:id="rId8"/>
-    <p:sldId id="266" r:id="rId9"/>
-    <p:sldId id="267" r:id="rId10"/>
-    <p:sldId id="281" r:id="rId11"/>
-    <p:sldId id="277" r:id="rId12"/>
-    <p:sldId id="278" r:id="rId13"/>
-    <p:sldId id="279" r:id="rId14"/>
-    <p:sldId id="280" r:id="rId15"/>
+    <p:sldId id="283" r:id="rId7"/>
+    <p:sldId id="264" r:id="rId8"/>
+    <p:sldId id="265" r:id="rId9"/>
+    <p:sldId id="266" r:id="rId10"/>
+    <p:sldId id="267" r:id="rId11"/>
+    <p:sldId id="281" r:id="rId12"/>
+    <p:sldId id="277" r:id="rId13"/>
+    <p:sldId id="278" r:id="rId14"/>
+    <p:sldId id="279" r:id="rId15"/>
+    <p:sldId id="280" r:id="rId16"/>
   </p:sldIdLst>
   <p:sldSz cx="12192000" cy="6858000"/>
   <p:notesSz cx="6858000" cy="9144000"/>
@@ -4264,7 +4265,7 @@
         <p:spPr>
           <a:xfrm>
             <a:off x="417682" y="358496"/>
-            <a:ext cx="5059753" cy="461665"/>
+            <a:ext cx="3134119" cy="461665"/>
           </a:xfrm>
           <a:prstGeom prst="rect">
             <a:avLst/>
@@ -4282,7 +4283,7 @@
                 <a:latin typeface="Nanum Gothic" panose="020D0604000000000000" pitchFamily="34" charset="-127"/>
                 <a:ea typeface="Nanum Gothic" panose="020D0604000000000000" pitchFamily="34" charset="-127"/>
               </a:rPr>
-              <a:t>애니메이션 스크립팅</a:t>
+              <a:t>애니메이션 스테이트</a:t>
             </a:r>
             <a:endParaRPr kumimoji="1" lang="ko-KR" altLang="en-US" sz="2400" b="1" dirty="0">
               <a:latin typeface="Nanum Gothic" panose="020D0604000000000000" pitchFamily="34" charset="-127"/>
@@ -4417,7 +4418,7 @@
         <p:spPr>
           <a:xfrm>
             <a:off x="1028700" y="1078609"/>
-            <a:ext cx="9996999" cy="1200329"/>
+            <a:ext cx="9996999" cy="4247317"/>
           </a:xfrm>
           <a:prstGeom prst="rect">
             <a:avLst/>
@@ -4436,7 +4437,7 @@
             </a:pPr>
             <a:r>
               <a:rPr kumimoji="1" lang="ko-KR" altLang="en-US" dirty="0"/>
-              <a:t>애니메이션이 돌아가도록 스크립팅 해봅시다</a:t>
+              <a:t>애니메이션 스테이트를 정의해봅시다</a:t>
             </a:r>
             <a:r>
               <a:rPr kumimoji="1" lang="en-US" altLang="ko-KR" dirty="0"/>
@@ -4457,7 +4458,7 @@
             </a:pPr>
             <a:r>
               <a:rPr kumimoji="1" lang="ko-KR" altLang="en-US" dirty="0"/>
-              <a:t>따라해보아요</a:t>
+              <a:t>스테이트</a:t>
             </a:r>
             <a:endParaRPr kumimoji="1" lang="en-US" altLang="ko-KR" dirty="0"/>
           </a:p>
@@ -4468,12 +4469,131 @@
             </a:pPr>
             <a:endParaRPr kumimoji="1" lang="en-US" altLang="ko-KR" dirty="0"/>
           </a:p>
+          <a:p>
+            <a:pPr marL="285750" indent="-285750">
+              <a:buFont typeface="Arial" panose="020B0604020202020204" pitchFamily="34" charset="0"/>
+              <a:buChar char="•"/>
+            </a:pPr>
+            <a:r>
+              <a:rPr kumimoji="1" lang="ko-KR" altLang="en-US" dirty="0"/>
+              <a:t>스테이트 트렌지션</a:t>
+            </a:r>
+            <a:endParaRPr kumimoji="1" lang="en-US" altLang="ko-KR" dirty="0"/>
+          </a:p>
+          <a:p>
+            <a:pPr marL="285750" indent="-285750">
+              <a:buFont typeface="Arial" panose="020B0604020202020204" pitchFamily="34" charset="0"/>
+              <a:buChar char="•"/>
+            </a:pPr>
+            <a:endParaRPr kumimoji="1" lang="en-US" altLang="ko-KR" dirty="0"/>
+          </a:p>
+          <a:p>
+            <a:pPr marL="285750" indent="-285750">
+              <a:buFont typeface="Arial" panose="020B0604020202020204" pitchFamily="34" charset="0"/>
+              <a:buChar char="•"/>
+            </a:pPr>
+            <a:r>
+              <a:rPr kumimoji="1" lang="ko-KR" altLang="en-US" dirty="0"/>
+              <a:t>트렌지션 조건</a:t>
+            </a:r>
+            <a:endParaRPr kumimoji="1" lang="en-US" altLang="ko-KR" dirty="0"/>
+          </a:p>
+          <a:p>
+            <a:pPr marL="285750" indent="-285750">
+              <a:buFont typeface="Arial" panose="020B0604020202020204" pitchFamily="34" charset="0"/>
+              <a:buChar char="•"/>
+            </a:pPr>
+            <a:endParaRPr kumimoji="1" lang="en-US" altLang="ko-KR" dirty="0"/>
+          </a:p>
+          <a:p>
+            <a:pPr marL="285750" indent="-285750">
+              <a:buFont typeface="Arial" panose="020B0604020202020204" pitchFamily="34" charset="0"/>
+              <a:buChar char="•"/>
+            </a:pPr>
+            <a:r>
+              <a:rPr kumimoji="1" lang="ko-KR" altLang="en-US" dirty="0"/>
+              <a:t>트렌지션 스피드</a:t>
+            </a:r>
+            <a:endParaRPr kumimoji="1" lang="en-US" altLang="ko-KR" dirty="0"/>
+          </a:p>
+          <a:p>
+            <a:pPr marL="285750" indent="-285750">
+              <a:buFont typeface="Arial" panose="020B0604020202020204" pitchFamily="34" charset="0"/>
+              <a:buChar char="•"/>
+            </a:pPr>
+            <a:endParaRPr kumimoji="1" lang="en-US" altLang="ko-KR" dirty="0"/>
+          </a:p>
+          <a:p>
+            <a:pPr marL="285750" indent="-285750">
+              <a:buFont typeface="Arial" panose="020B0604020202020204" pitchFamily="34" charset="0"/>
+              <a:buChar char="•"/>
+            </a:pPr>
+            <a:r>
+              <a:rPr kumimoji="1" lang="ko-KR" altLang="en-US" dirty="0"/>
+              <a:t>트렌지션 믹스</a:t>
+            </a:r>
+            <a:r>
+              <a:rPr kumimoji="1" lang="en-US" altLang="ko-KR" dirty="0"/>
+              <a:t>,</a:t>
+            </a:r>
+            <a:r>
+              <a:rPr kumimoji="1" lang="ko-KR" altLang="en-US" dirty="0"/>
+              <a:t> </a:t>
+            </a:r>
+            <a:r>
+              <a:rPr kumimoji="1" lang="en-US" altLang="ko-KR" dirty="0"/>
+              <a:t>Exit time</a:t>
+            </a:r>
+          </a:p>
+          <a:p>
+            <a:pPr marL="285750" indent="-285750">
+              <a:buFont typeface="Arial" panose="020B0604020202020204" pitchFamily="34" charset="0"/>
+              <a:buChar char="•"/>
+            </a:pPr>
+            <a:endParaRPr kumimoji="1" lang="en-US" altLang="ko-KR" dirty="0"/>
+          </a:p>
+          <a:p>
+            <a:pPr marL="285750" indent="-285750">
+              <a:buFont typeface="Arial" panose="020B0604020202020204" pitchFamily="34" charset="0"/>
+              <a:buChar char="•"/>
+            </a:pPr>
+            <a:r>
+              <a:rPr kumimoji="1" lang="ko-KR" altLang="en-US" dirty="0"/>
+              <a:t>애니메이터 파라미터 </a:t>
+            </a:r>
+            <a:r>
+              <a:rPr kumimoji="1" lang="en-US" altLang="ko-KR" dirty="0"/>
+              <a:t>–</a:t>
+            </a:r>
+            <a:r>
+              <a:rPr kumimoji="1" lang="ko-KR" altLang="en-US" dirty="0"/>
+              <a:t> 트렌지션 조건 </a:t>
+            </a:r>
+            <a:r>
+              <a:rPr kumimoji="1" lang="en-US" altLang="ko-KR" dirty="0"/>
+              <a:t>( Float, int, Bool, Trigger )</a:t>
+            </a:r>
+          </a:p>
+          <a:p>
+            <a:pPr marL="285750" indent="-285750">
+              <a:buFont typeface="Arial" panose="020B0604020202020204" pitchFamily="34" charset="0"/>
+              <a:buChar char="•"/>
+            </a:pPr>
+            <a:endParaRPr kumimoji="1" lang="en-US" altLang="ko-KR" dirty="0"/>
+          </a:p>
+          <a:p>
+            <a:pPr marL="285750" indent="-285750">
+              <a:buFont typeface="Arial" panose="020B0604020202020204" pitchFamily="34" charset="0"/>
+              <a:buChar char="•"/>
+            </a:pPr>
+            <a:endParaRPr kumimoji="1" lang="en-US" altLang="ko-KR" dirty="0"/>
+          </a:p>
         </p:txBody>
       </p:sp>
     </p:spTree>
     <p:extLst>
       <p:ext uri="{BB962C8B-B14F-4D97-AF65-F5344CB8AC3E}">
-        <p14:creationId xmlns:p14="http://schemas.microsoft.com/office/powerpoint/2010/main" val="3389362994"/>
+        <p14:creationId xmlns:p14="http://schemas.microsoft.com/office/powerpoint/2010/main" val="210510403"/>
       </p:ext>
     </p:extLst>
   </p:cSld>
@@ -4556,7 +4676,7 @@
         <p:spPr>
           <a:xfrm>
             <a:off x="417682" y="358496"/>
-            <a:ext cx="3134119" cy="461665"/>
+            <a:ext cx="5059753" cy="461665"/>
           </a:xfrm>
           <a:prstGeom prst="rect">
             <a:avLst/>
@@ -4574,7 +4694,7 @@
                 <a:latin typeface="Nanum Gothic" panose="020D0604000000000000" pitchFamily="34" charset="-127"/>
                 <a:ea typeface="Nanum Gothic" panose="020D0604000000000000" pitchFamily="34" charset="-127"/>
               </a:rPr>
-              <a:t>오늘 배운거 정리</a:t>
+              <a:t>애니메이션 스크립팅</a:t>
             </a:r>
             <a:endParaRPr kumimoji="1" lang="ko-KR" altLang="en-US" sz="2400" b="1" dirty="0">
               <a:latin typeface="Nanum Gothic" panose="020D0604000000000000" pitchFamily="34" charset="-127"/>
@@ -4696,10 +4816,10 @@
       </p:grpSp>
       <p:sp>
         <p:nvSpPr>
-          <p:cNvPr id="19" name="TextBox 18">
-            <a:extLst>
-              <a:ext uri="{FF2B5EF4-FFF2-40B4-BE49-F238E27FC236}">
-                <a16:creationId xmlns:a16="http://schemas.microsoft.com/office/drawing/2014/main" id="{C0BFA176-2455-8947-8E5B-2A4309EBD63B}"/>
+          <p:cNvPr id="23" name="TextBox 22">
+            <a:extLst>
+              <a:ext uri="{FF2B5EF4-FFF2-40B4-BE49-F238E27FC236}">
+                <a16:creationId xmlns:a16="http://schemas.microsoft.com/office/drawing/2014/main" id="{3A3B5B77-7EB8-A547-85D1-8025721EB993}"/>
               </a:ext>
             </a:extLst>
           </p:cNvPr>
@@ -4708,8 +4828,8 @@
         </p:nvSpPr>
         <p:spPr>
           <a:xfrm>
-            <a:off x="2017059" y="988156"/>
-            <a:ext cx="4697506" cy="369332"/>
+            <a:off x="1028700" y="1078609"/>
+            <a:ext cx="9996999" cy="1200329"/>
           </a:xfrm>
           <a:prstGeom prst="rect">
             <a:avLst/>
@@ -4728,219 +4848,44 @@
             </a:pPr>
             <a:r>
               <a:rPr kumimoji="1" lang="ko-KR" altLang="en-US" dirty="0"/>
-              <a:t>애니메이션에 필요한 소스 가져오기</a:t>
-            </a:r>
-          </a:p>
-        </p:txBody>
-      </p:sp>
-      <p:sp>
-        <p:nvSpPr>
-          <p:cNvPr id="20" name="TextBox 19">
-            <a:extLst>
-              <a:ext uri="{FF2B5EF4-FFF2-40B4-BE49-F238E27FC236}">
-                <a16:creationId xmlns:a16="http://schemas.microsoft.com/office/drawing/2014/main" id="{B96DC97D-6860-1548-97EC-9B8D70613869}"/>
-              </a:ext>
-            </a:extLst>
-          </p:cNvPr>
-          <p:cNvSpPr txBox="1"/>
-          <p:nvPr/>
-        </p:nvSpPr>
-        <p:spPr>
-          <a:xfrm>
-            <a:off x="2017059" y="1562549"/>
-            <a:ext cx="3505200" cy="369332"/>
-          </a:xfrm>
-          <a:prstGeom prst="rect">
-            <a:avLst/>
-          </a:prstGeom>
-          <a:noFill/>
-        </p:spPr>
-        <p:txBody>
-          <a:bodyPr wrap="square" rtlCol="0">
-            <a:spAutoFit/>
-          </a:bodyPr>
-          <a:lstStyle/>
+              <a:t>애니메이션이 돌아가도록 스크립팅 해봅시다</a:t>
+            </a:r>
+            <a:r>
+              <a:rPr kumimoji="1" lang="en-US" altLang="ko-KR" dirty="0"/>
+              <a:t>!</a:t>
+            </a:r>
+          </a:p>
           <a:p>
             <a:pPr marL="285750" indent="-285750">
               <a:buFont typeface="Arial" panose="020B0604020202020204" pitchFamily="34" charset="0"/>
               <a:buChar char="•"/>
             </a:pPr>
-            <a:r>
-              <a:rPr kumimoji="1" lang="ko-KR" altLang="en-US" dirty="0" err="1"/>
-              <a:t>스프라이트</a:t>
-            </a:r>
-            <a:endParaRPr kumimoji="1" lang="ko-KR" altLang="en-US" dirty="0"/>
-          </a:p>
-        </p:txBody>
-      </p:sp>
-      <p:sp>
-        <p:nvSpPr>
-          <p:cNvPr id="21" name="TextBox 20">
-            <a:extLst>
-              <a:ext uri="{FF2B5EF4-FFF2-40B4-BE49-F238E27FC236}">
-                <a16:creationId xmlns:a16="http://schemas.microsoft.com/office/drawing/2014/main" id="{79A53EE1-267F-4948-92D3-D29FAA57379E}"/>
-              </a:ext>
-            </a:extLst>
-          </p:cNvPr>
-          <p:cNvSpPr txBox="1"/>
-          <p:nvPr/>
-        </p:nvSpPr>
-        <p:spPr>
-          <a:xfrm>
-            <a:off x="2017057" y="2120179"/>
-            <a:ext cx="4316693" cy="369332"/>
-          </a:xfrm>
-          <a:prstGeom prst="rect">
-            <a:avLst/>
-          </a:prstGeom>
-          <a:noFill/>
-        </p:spPr>
-        <p:txBody>
-          <a:bodyPr wrap="square" rtlCol="0">
-            <a:spAutoFit/>
-          </a:bodyPr>
-          <a:lstStyle/>
+            <a:endParaRPr kumimoji="1" lang="en-US" altLang="ko-KR" dirty="0"/>
+          </a:p>
           <a:p>
             <a:pPr marL="285750" indent="-285750">
               <a:buFont typeface="Arial" panose="020B0604020202020204" pitchFamily="34" charset="0"/>
               <a:buChar char="•"/>
             </a:pPr>
             <a:r>
-              <a:rPr kumimoji="1" lang="ko-KR" altLang="en-US"/>
-              <a:t>스프라이트 이용하기</a:t>
+              <a:rPr kumimoji="1" lang="ko-KR" altLang="en-US" dirty="0"/>
+              <a:t>따라해보아요</a:t>
             </a:r>
             <a:endParaRPr kumimoji="1" lang="en-US" altLang="ko-KR" dirty="0"/>
           </a:p>
-        </p:txBody>
-      </p:sp>
-      <p:sp>
-        <p:nvSpPr>
-          <p:cNvPr id="22" name="TextBox 21">
-            <a:extLst>
-              <a:ext uri="{FF2B5EF4-FFF2-40B4-BE49-F238E27FC236}">
-                <a16:creationId xmlns:a16="http://schemas.microsoft.com/office/drawing/2014/main" id="{D5EBA1BA-5C73-8A40-9D70-58DF7C6A0D9B}"/>
-              </a:ext>
-            </a:extLst>
-          </p:cNvPr>
-          <p:cNvSpPr txBox="1"/>
-          <p:nvPr/>
-        </p:nvSpPr>
-        <p:spPr>
-          <a:xfrm>
-            <a:off x="2017058" y="2694572"/>
-            <a:ext cx="5190566" cy="369332"/>
-          </a:xfrm>
-          <a:prstGeom prst="rect">
-            <a:avLst/>
-          </a:prstGeom>
-          <a:noFill/>
-        </p:spPr>
-        <p:txBody>
-          <a:bodyPr wrap="square" rtlCol="0">
-            <a:spAutoFit/>
-          </a:bodyPr>
-          <a:lstStyle/>
           <a:p>
             <a:pPr marL="285750" indent="-285750">
               <a:buFont typeface="Arial" panose="020B0604020202020204" pitchFamily="34" charset="0"/>
               <a:buChar char="•"/>
             </a:pPr>
-            <a:r>
-              <a:rPr kumimoji="1" lang="ko-KR" altLang="en-US" dirty="0"/>
-              <a:t>애니메이션 클립</a:t>
-            </a:r>
             <a:endParaRPr kumimoji="1" lang="en-US" altLang="ko-KR" dirty="0"/>
-          </a:p>
-        </p:txBody>
-      </p:sp>
-      <p:sp>
-        <p:nvSpPr>
-          <p:cNvPr id="23" name="TextBox 22">
-            <a:extLst>
-              <a:ext uri="{FF2B5EF4-FFF2-40B4-BE49-F238E27FC236}">
-                <a16:creationId xmlns:a16="http://schemas.microsoft.com/office/drawing/2014/main" id="{F47A47A0-1CC5-1841-BF56-CE12E731DCB9}"/>
-              </a:ext>
-            </a:extLst>
-          </p:cNvPr>
-          <p:cNvSpPr txBox="1"/>
-          <p:nvPr/>
-        </p:nvSpPr>
-        <p:spPr>
-          <a:xfrm>
-            <a:off x="2017057" y="3268965"/>
-            <a:ext cx="3505200" cy="369332"/>
-          </a:xfrm>
-          <a:prstGeom prst="rect">
-            <a:avLst/>
-          </a:prstGeom>
-          <a:noFill/>
-        </p:spPr>
-        <p:txBody>
-          <a:bodyPr wrap="square" rtlCol="0">
-            <a:spAutoFit/>
-          </a:bodyPr>
-          <a:lstStyle/>
-          <a:p>
-            <a:pPr marL="285750" indent="-285750">
-              <a:buFont typeface="Arial" panose="020B0604020202020204" pitchFamily="34" charset="0"/>
-              <a:buChar char="•"/>
-            </a:pPr>
-            <a:r>
-              <a:rPr kumimoji="1" lang="ko-KR" altLang="en-US"/>
-              <a:t>애니메이션 스테이트</a:t>
-            </a:r>
-            <a:endParaRPr kumimoji="1" lang="ko-KR" altLang="en-US" dirty="0"/>
-          </a:p>
-        </p:txBody>
-      </p:sp>
-      <p:sp>
-        <p:nvSpPr>
-          <p:cNvPr id="24" name="TextBox 23">
-            <a:extLst>
-              <a:ext uri="{FF2B5EF4-FFF2-40B4-BE49-F238E27FC236}">
-                <a16:creationId xmlns:a16="http://schemas.microsoft.com/office/drawing/2014/main" id="{AADD40CD-D126-9446-B7D5-01C4B83F8A1F}"/>
-              </a:ext>
-            </a:extLst>
-          </p:cNvPr>
-          <p:cNvSpPr txBox="1"/>
-          <p:nvPr/>
-        </p:nvSpPr>
-        <p:spPr>
-          <a:xfrm>
-            <a:off x="2017057" y="3829347"/>
-            <a:ext cx="3505200" cy="369332"/>
-          </a:xfrm>
-          <a:prstGeom prst="rect">
-            <a:avLst/>
-          </a:prstGeom>
-          <a:noFill/>
-        </p:spPr>
-        <p:txBody>
-          <a:bodyPr wrap="square" rtlCol="0">
-            <a:spAutoFit/>
-          </a:bodyPr>
-          <a:lstStyle/>
-          <a:p>
-            <a:pPr marL="285750" indent="-285750">
-              <a:buFont typeface="Arial" panose="020B0604020202020204" pitchFamily="34" charset="0"/>
-              <a:buChar char="•"/>
-            </a:pPr>
-            <a:r>
-              <a:rPr kumimoji="1" lang="ko-KR" altLang="en-US" dirty="0"/>
-              <a:t>애니메이션 스크립팅</a:t>
-            </a:r>
-            <a:endParaRPr kumimoji="1" lang="ko-KR" altLang="en-US" dirty="0">
-              <a:solidFill>
-                <a:srgbClr val="FF0000"/>
-              </a:solidFill>
-            </a:endParaRPr>
           </a:p>
         </p:txBody>
       </p:sp>
     </p:spTree>
     <p:extLst>
       <p:ext uri="{BB962C8B-B14F-4D97-AF65-F5344CB8AC3E}">
-        <p14:creationId xmlns:p14="http://schemas.microsoft.com/office/powerpoint/2010/main" val="1499189179"/>
+        <p14:creationId xmlns:p14="http://schemas.microsoft.com/office/powerpoint/2010/main" val="3389362994"/>
       </p:ext>
     </p:extLst>
   </p:cSld>
@@ -5041,14 +4986,7 @@
                 <a:latin typeface="Nanum Gothic" panose="020D0604000000000000" pitchFamily="34" charset="-127"/>
                 <a:ea typeface="Nanum Gothic" panose="020D0604000000000000" pitchFamily="34" charset="-127"/>
               </a:rPr>
-              <a:t>앞으론 무엇을</a:t>
-            </a:r>
-            <a:r>
-              <a:rPr kumimoji="1" lang="en-US" altLang="ko-KR" sz="2400" b="1">
-                <a:latin typeface="Nanum Gothic" panose="020D0604000000000000" pitchFamily="34" charset="-127"/>
-                <a:ea typeface="Nanum Gothic" panose="020D0604000000000000" pitchFamily="34" charset="-127"/>
-              </a:rPr>
-              <a:t>?</a:t>
+              <a:t>오늘 배운거 정리</a:t>
             </a:r>
             <a:endParaRPr kumimoji="1" lang="ko-KR" altLang="en-US" sz="2400" b="1" dirty="0">
               <a:latin typeface="Nanum Gothic" panose="020D0604000000000000" pitchFamily="34" charset="-127"/>
@@ -5170,10 +5108,10 @@
       </p:grpSp>
       <p:sp>
         <p:nvSpPr>
-          <p:cNvPr id="23" name="TextBox 22">
-            <a:extLst>
-              <a:ext uri="{FF2B5EF4-FFF2-40B4-BE49-F238E27FC236}">
-                <a16:creationId xmlns:a16="http://schemas.microsoft.com/office/drawing/2014/main" id="{3A3B5B77-7EB8-A547-85D1-8025721EB993}"/>
+          <p:cNvPr id="19" name="TextBox 18">
+            <a:extLst>
+              <a:ext uri="{FF2B5EF4-FFF2-40B4-BE49-F238E27FC236}">
+                <a16:creationId xmlns:a16="http://schemas.microsoft.com/office/drawing/2014/main" id="{C0BFA176-2455-8947-8E5B-2A4309EBD63B}"/>
               </a:ext>
             </a:extLst>
           </p:cNvPr>
@@ -5182,8 +5120,8 @@
         </p:nvSpPr>
         <p:spPr>
           <a:xfrm>
-            <a:off x="1028700" y="1078609"/>
-            <a:ext cx="9996999" cy="6463308"/>
+            <a:off x="2017059" y="988156"/>
+            <a:ext cx="4697506" cy="369332"/>
           </a:xfrm>
           <a:prstGeom prst="rect">
             <a:avLst/>
@@ -5201,391 +5139,220 @@
               <a:buChar char="•"/>
             </a:pPr>
             <a:r>
-              <a:rPr kumimoji="1" lang="en-US" altLang="ko-KR" strike="sngStrike"/>
-              <a:t>2</a:t>
-            </a:r>
-            <a:r>
-              <a:rPr kumimoji="1" lang="ko-KR" altLang="en-US" strike="sngStrike"/>
-              <a:t>주차 스크립팅 기본 </a:t>
-            </a:r>
-            <a:r>
-              <a:rPr kumimoji="1" lang="en-US" altLang="ko-KR" strike="sngStrike"/>
-              <a:t>–</a:t>
-            </a:r>
-            <a:r>
-              <a:rPr kumimoji="1" lang="ko-KR" altLang="en-US" strike="sngStrike"/>
-              <a:t> 우리가 원하는 동작을 명령하자</a:t>
-            </a:r>
-            <a:r>
-              <a:rPr kumimoji="1" lang="en-US" altLang="ko-KR" strike="sngStrike"/>
-              <a:t>!</a:t>
-            </a:r>
-          </a:p>
+              <a:rPr kumimoji="1" lang="ko-KR" altLang="en-US" dirty="0"/>
+              <a:t>애니메이션에 필요한 소스 가져오기</a:t>
+            </a:r>
+          </a:p>
+        </p:txBody>
+      </p:sp>
+      <p:sp>
+        <p:nvSpPr>
+          <p:cNvPr id="20" name="TextBox 19">
+            <a:extLst>
+              <a:ext uri="{FF2B5EF4-FFF2-40B4-BE49-F238E27FC236}">
+                <a16:creationId xmlns:a16="http://schemas.microsoft.com/office/drawing/2014/main" id="{B96DC97D-6860-1548-97EC-9B8D70613869}"/>
+              </a:ext>
+            </a:extLst>
+          </p:cNvPr>
+          <p:cNvSpPr txBox="1"/>
+          <p:nvPr/>
+        </p:nvSpPr>
+        <p:spPr>
+          <a:xfrm>
+            <a:off x="2017059" y="1562549"/>
+            <a:ext cx="3505200" cy="369332"/>
+          </a:xfrm>
+          <a:prstGeom prst="rect">
+            <a:avLst/>
+          </a:prstGeom>
+          <a:noFill/>
+        </p:spPr>
+        <p:txBody>
+          <a:bodyPr wrap="square" rtlCol="0">
+            <a:spAutoFit/>
+          </a:bodyPr>
+          <a:lstStyle/>
           <a:p>
             <a:pPr marL="285750" indent="-285750">
               <a:buFont typeface="Arial" panose="020B0604020202020204" pitchFamily="34" charset="0"/>
               <a:buChar char="•"/>
             </a:pPr>
-            <a:endParaRPr kumimoji="1" lang="en-US" altLang="ko-KR"/>
-          </a:p>
+            <a:r>
+              <a:rPr kumimoji="1" lang="ko-KR" altLang="en-US" dirty="0" err="1"/>
+              <a:t>스프라이트</a:t>
+            </a:r>
+            <a:endParaRPr kumimoji="1" lang="ko-KR" altLang="en-US" dirty="0"/>
+          </a:p>
+        </p:txBody>
+      </p:sp>
+      <p:sp>
+        <p:nvSpPr>
+          <p:cNvPr id="21" name="TextBox 20">
+            <a:extLst>
+              <a:ext uri="{FF2B5EF4-FFF2-40B4-BE49-F238E27FC236}">
+                <a16:creationId xmlns:a16="http://schemas.microsoft.com/office/drawing/2014/main" id="{79A53EE1-267F-4948-92D3-D29FAA57379E}"/>
+              </a:ext>
+            </a:extLst>
+          </p:cNvPr>
+          <p:cNvSpPr txBox="1"/>
+          <p:nvPr/>
+        </p:nvSpPr>
+        <p:spPr>
+          <a:xfrm>
+            <a:off x="2017057" y="2120179"/>
+            <a:ext cx="4316693" cy="369332"/>
+          </a:xfrm>
+          <a:prstGeom prst="rect">
+            <a:avLst/>
+          </a:prstGeom>
+          <a:noFill/>
+        </p:spPr>
+        <p:txBody>
+          <a:bodyPr wrap="square" rtlCol="0">
+            <a:spAutoFit/>
+          </a:bodyPr>
+          <a:lstStyle/>
           <a:p>
             <a:pPr marL="285750" indent="-285750">
               <a:buFont typeface="Arial" panose="020B0604020202020204" pitchFamily="34" charset="0"/>
               <a:buChar char="•"/>
             </a:pPr>
             <a:r>
-              <a:rPr kumimoji="1" lang="en-US" altLang="ko-KR" strike="sngStrike"/>
-              <a:t>3</a:t>
-            </a:r>
-            <a:r>
-              <a:rPr kumimoji="1" lang="ko-KR" altLang="en-US" strike="sngStrike"/>
-              <a:t>주차 애니메이팅 기본 </a:t>
-            </a:r>
-            <a:r>
-              <a:rPr kumimoji="1" lang="en-US" altLang="ko-KR" strike="sngStrike"/>
-              <a:t>–</a:t>
-            </a:r>
-            <a:r>
-              <a:rPr kumimoji="1" lang="ko-KR" altLang="en-US" strike="sngStrike"/>
-              <a:t> 애니메이션을 만들어보고 우리가 원하는 타이밍에 재생하자</a:t>
-            </a:r>
-            <a:r>
-              <a:rPr kumimoji="1" lang="en-US" altLang="ko-KR" strike="sngStrike"/>
-              <a:t>!</a:t>
-            </a:r>
-          </a:p>
-          <a:p>
-            <a:pPr marL="742950" lvl="1" indent="-285750">
+              <a:rPr kumimoji="1" lang="ko-KR" altLang="en-US"/>
+              <a:t>스프라이트 이용하기</a:t>
+            </a:r>
+            <a:endParaRPr kumimoji="1" lang="en-US" altLang="ko-KR" dirty="0"/>
+          </a:p>
+        </p:txBody>
+      </p:sp>
+      <p:sp>
+        <p:nvSpPr>
+          <p:cNvPr id="22" name="TextBox 21">
+            <a:extLst>
+              <a:ext uri="{FF2B5EF4-FFF2-40B4-BE49-F238E27FC236}">
+                <a16:creationId xmlns:a16="http://schemas.microsoft.com/office/drawing/2014/main" id="{D5EBA1BA-5C73-8A40-9D70-58DF7C6A0D9B}"/>
+              </a:ext>
+            </a:extLst>
+          </p:cNvPr>
+          <p:cNvSpPr txBox="1"/>
+          <p:nvPr/>
+        </p:nvSpPr>
+        <p:spPr>
+          <a:xfrm>
+            <a:off x="2017058" y="2694572"/>
+            <a:ext cx="5190566" cy="369332"/>
+          </a:xfrm>
+          <a:prstGeom prst="rect">
+            <a:avLst/>
+          </a:prstGeom>
+          <a:noFill/>
+        </p:spPr>
+        <p:txBody>
+          <a:bodyPr wrap="square" rtlCol="0">
+            <a:spAutoFit/>
+          </a:bodyPr>
+          <a:lstStyle/>
+          <a:p>
+            <a:pPr marL="285750" indent="-285750">
               <a:buFont typeface="Arial" panose="020B0604020202020204" pitchFamily="34" charset="0"/>
               <a:buChar char="•"/>
             </a:pPr>
             <a:r>
-              <a:rPr kumimoji="1" lang="ko-KR" altLang="en-US" strike="sngStrike"/>
-              <a:t>푸드덕연새에 애니메이션을 달아봅시다</a:t>
-            </a:r>
-            <a:r>
-              <a:rPr kumimoji="1" lang="en-US" altLang="ko-KR" strike="sngStrike"/>
-              <a:t>.</a:t>
-            </a:r>
-          </a:p>
+              <a:rPr kumimoji="1" lang="ko-KR" altLang="en-US" dirty="0"/>
+              <a:t>애니메이션 클립</a:t>
+            </a:r>
+            <a:endParaRPr kumimoji="1" lang="en-US" altLang="ko-KR" dirty="0"/>
+          </a:p>
+        </p:txBody>
+      </p:sp>
+      <p:sp>
+        <p:nvSpPr>
+          <p:cNvPr id="23" name="TextBox 22">
+            <a:extLst>
+              <a:ext uri="{FF2B5EF4-FFF2-40B4-BE49-F238E27FC236}">
+                <a16:creationId xmlns:a16="http://schemas.microsoft.com/office/drawing/2014/main" id="{F47A47A0-1CC5-1841-BF56-CE12E731DCB9}"/>
+              </a:ext>
+            </a:extLst>
+          </p:cNvPr>
+          <p:cNvSpPr txBox="1"/>
+          <p:nvPr/>
+        </p:nvSpPr>
+        <p:spPr>
+          <a:xfrm>
+            <a:off x="2017057" y="3268965"/>
+            <a:ext cx="3505200" cy="369332"/>
+          </a:xfrm>
+          <a:prstGeom prst="rect">
+            <a:avLst/>
+          </a:prstGeom>
+          <a:noFill/>
+        </p:spPr>
+        <p:txBody>
+          <a:bodyPr wrap="square" rtlCol="0">
+            <a:spAutoFit/>
+          </a:bodyPr>
+          <a:lstStyle/>
           <a:p>
             <a:pPr marL="285750" indent="-285750">
               <a:buFont typeface="Arial" panose="020B0604020202020204" pitchFamily="34" charset="0"/>
               <a:buChar char="•"/>
             </a:pPr>
-            <a:endParaRPr kumimoji="1" lang="en-US" altLang="ko-KR"/>
-          </a:p>
+            <a:r>
+              <a:rPr kumimoji="1" lang="ko-KR" altLang="en-US"/>
+              <a:t>애니메이션 스테이트</a:t>
+            </a:r>
+            <a:endParaRPr kumimoji="1" lang="ko-KR" altLang="en-US" dirty="0"/>
+          </a:p>
+        </p:txBody>
+      </p:sp>
+      <p:sp>
+        <p:nvSpPr>
+          <p:cNvPr id="24" name="TextBox 23">
+            <a:extLst>
+              <a:ext uri="{FF2B5EF4-FFF2-40B4-BE49-F238E27FC236}">
+                <a16:creationId xmlns:a16="http://schemas.microsoft.com/office/drawing/2014/main" id="{AADD40CD-D126-9446-B7D5-01C4B83F8A1F}"/>
+              </a:ext>
+            </a:extLst>
+          </p:cNvPr>
+          <p:cNvSpPr txBox="1"/>
+          <p:nvPr/>
+        </p:nvSpPr>
+        <p:spPr>
+          <a:xfrm>
+            <a:off x="2017057" y="3829347"/>
+            <a:ext cx="3505200" cy="369332"/>
+          </a:xfrm>
+          <a:prstGeom prst="rect">
+            <a:avLst/>
+          </a:prstGeom>
+          <a:noFill/>
+        </p:spPr>
+        <p:txBody>
+          <a:bodyPr wrap="square" rtlCol="0">
+            <a:spAutoFit/>
+          </a:bodyPr>
+          <a:lstStyle/>
           <a:p>
             <a:pPr marL="285750" indent="-285750">
               <a:buFont typeface="Arial" panose="020B0604020202020204" pitchFamily="34" charset="0"/>
               <a:buChar char="•"/>
             </a:pPr>
             <a:r>
-              <a:rPr kumimoji="1" lang="en-US" altLang="ko-KR">
-                <a:solidFill>
-                  <a:srgbClr val="00B0F0"/>
-                </a:solidFill>
-              </a:rPr>
-              <a:t>4</a:t>
-            </a:r>
-            <a:r>
-              <a:rPr kumimoji="1" lang="ko-KR" altLang="en-US">
-                <a:solidFill>
-                  <a:srgbClr val="00B0F0"/>
-                </a:solidFill>
-              </a:rPr>
-              <a:t>주차 </a:t>
-            </a:r>
-            <a:r>
-              <a:rPr kumimoji="1" lang="en-US" altLang="ko-KR">
-                <a:solidFill>
-                  <a:srgbClr val="00B0F0"/>
-                </a:solidFill>
-              </a:rPr>
-              <a:t>UI</a:t>
-            </a:r>
-            <a:r>
-              <a:rPr kumimoji="1" lang="ko-KR" altLang="en-US">
-                <a:solidFill>
-                  <a:srgbClr val="00B0F0"/>
-                </a:solidFill>
-              </a:rPr>
-              <a:t>와 게임 뼈대 </a:t>
-            </a:r>
-            <a:r>
-              <a:rPr kumimoji="1" lang="en-US" altLang="ko-KR">
-                <a:solidFill>
-                  <a:srgbClr val="00B0F0"/>
-                </a:solidFill>
-              </a:rPr>
-              <a:t>–</a:t>
-            </a:r>
-            <a:r>
-              <a:rPr kumimoji="1" lang="ko-KR" altLang="en-US">
-                <a:solidFill>
-                  <a:srgbClr val="00B0F0"/>
-                </a:solidFill>
-              </a:rPr>
-              <a:t> 게임의 기본 로직은 만들었어</a:t>
-            </a:r>
-            <a:r>
-              <a:rPr kumimoji="1" lang="en-US" altLang="ko-KR">
-                <a:solidFill>
-                  <a:srgbClr val="00B0F0"/>
-                </a:solidFill>
-              </a:rPr>
-              <a:t>.</a:t>
-            </a:r>
-            <a:r>
-              <a:rPr kumimoji="1" lang="ko-KR" altLang="en-US">
-                <a:solidFill>
-                  <a:srgbClr val="00B0F0"/>
-                </a:solidFill>
-              </a:rPr>
-              <a:t> 게임 </a:t>
-            </a:r>
-            <a:r>
-              <a:rPr kumimoji="1" lang="en-US" altLang="ko-KR">
-                <a:solidFill>
-                  <a:srgbClr val="00B0F0"/>
-                </a:solidFill>
-              </a:rPr>
-              <a:t>LifeCycle</a:t>
-            </a:r>
-            <a:r>
-              <a:rPr kumimoji="1" lang="ko-KR" altLang="en-US">
-                <a:solidFill>
-                  <a:srgbClr val="00B0F0"/>
-                </a:solidFill>
-              </a:rPr>
-              <a:t>을 만들어 보자</a:t>
-            </a:r>
-            <a:r>
-              <a:rPr kumimoji="1" lang="en-US" altLang="ko-KR">
-                <a:solidFill>
-                  <a:srgbClr val="00B0F0"/>
-                </a:solidFill>
-              </a:rPr>
-              <a:t>!</a:t>
-            </a:r>
-          </a:p>
-          <a:p>
-            <a:pPr marL="285750" indent="-285750">
-              <a:buFont typeface="Arial" panose="020B0604020202020204" pitchFamily="34" charset="0"/>
-              <a:buChar char="•"/>
-            </a:pPr>
-            <a:endParaRPr kumimoji="1" lang="en-US" altLang="ko-KR"/>
-          </a:p>
-          <a:p>
-            <a:pPr marL="285750" indent="-285750">
-              <a:buFont typeface="Arial" panose="020B0604020202020204" pitchFamily="34" charset="0"/>
-              <a:buChar char="•"/>
-            </a:pPr>
-            <a:r>
-              <a:rPr kumimoji="1" lang="ko-KR" altLang="en-US"/>
-              <a:t>다음 세미나 전까지 혼자 공부하려면 뭘 할까요</a:t>
-            </a:r>
-            <a:r>
-              <a:rPr kumimoji="1" lang="en-US" altLang="ko-KR"/>
-              <a:t>?</a:t>
-            </a:r>
-          </a:p>
-          <a:p>
-            <a:pPr marL="742950" lvl="1" indent="-285750">
-              <a:buFont typeface="Arial" panose="020B0604020202020204" pitchFamily="34" charset="0"/>
-              <a:buChar char="•"/>
-            </a:pPr>
-            <a:r>
-              <a:rPr kumimoji="1" lang="ko-KR" altLang="en-US"/>
-              <a:t>오늘 내용 복습 해 주시면 감사 ㅎㅎ</a:t>
-            </a:r>
-            <a:r>
-              <a:rPr kumimoji="1" lang="en-US" altLang="ko-KR"/>
-              <a:t>...</a:t>
-            </a:r>
-          </a:p>
-          <a:p>
-            <a:pPr marL="742950" lvl="1" indent="-285750">
-              <a:buFont typeface="Arial" panose="020B0604020202020204" pitchFamily="34" charset="0"/>
-              <a:buChar char="•"/>
-            </a:pPr>
-            <a:r>
-              <a:rPr kumimoji="1" lang="en-US" altLang="ko-KR">
-                <a:hlinkClick r:id="rId5"/>
-              </a:rPr>
-              <a:t>https://docs.unity3d.com/Manual/index.html</a:t>
-            </a:r>
-            <a:r>
-              <a:rPr kumimoji="1" lang="ko-KR" altLang="en-US"/>
-              <a:t> 유니티 홈페이지 메뉴얼입니다</a:t>
-            </a:r>
-            <a:r>
-              <a:rPr kumimoji="1" lang="en-US" altLang="ko-KR"/>
-              <a:t>.</a:t>
-            </a:r>
-          </a:p>
-          <a:p>
-            <a:pPr marL="1200150" lvl="2" indent="-285750">
-              <a:buFont typeface="Arial" panose="020B0604020202020204" pitchFamily="34" charset="0"/>
-              <a:buChar char="•"/>
-            </a:pPr>
-            <a:r>
-              <a:rPr kumimoji="1" lang="ko-KR" altLang="en-US"/>
-              <a:t>내용이 넘나리 방대하니</a:t>
-            </a:r>
-            <a:r>
-              <a:rPr kumimoji="1" lang="en-US" altLang="ko-KR"/>
-              <a:t>...</a:t>
-            </a:r>
-            <a:r>
-              <a:rPr kumimoji="1" lang="ko-KR" altLang="en-US"/>
-              <a:t> </a:t>
-            </a:r>
-            <a:r>
-              <a:rPr kumimoji="1" lang="en-US" altLang="ko-KR"/>
-              <a:t>Working in Unity </a:t>
-            </a:r>
-            <a:r>
-              <a:rPr kumimoji="1" lang="ko-KR" altLang="en-US"/>
-              <a:t>항목만 책 읽듯이 읽어도 도움되요</a:t>
-            </a:r>
-            <a:r>
-              <a:rPr kumimoji="1" lang="en-US" altLang="ko-KR"/>
-              <a:t>.</a:t>
-            </a:r>
-          </a:p>
-          <a:p>
-            <a:pPr marL="1200150" lvl="2" indent="-285750">
-              <a:buFont typeface="Arial" panose="020B0604020202020204" pitchFamily="34" charset="0"/>
-              <a:buChar char="•"/>
-            </a:pPr>
-            <a:r>
-              <a:rPr kumimoji="1" lang="ko-KR" altLang="en-US"/>
-              <a:t>거기서도 기본 내용만</a:t>
-            </a:r>
-            <a:r>
-              <a:rPr kumimoji="1" lang="en-US" altLang="ko-KR"/>
-              <a:t>!</a:t>
-            </a:r>
-          </a:p>
-          <a:p>
-            <a:pPr marL="1200150" lvl="2" indent="-285750">
-              <a:buFont typeface="Arial" panose="020B0604020202020204" pitchFamily="34" charset="0"/>
-              <a:buChar char="•"/>
-            </a:pPr>
-            <a:r>
-              <a:rPr kumimoji="1" lang="ko-KR" altLang="en-US"/>
-              <a:t>한국어도 지원되요</a:t>
-            </a:r>
-            <a:r>
-              <a:rPr kumimoji="1" lang="en-US" altLang="ko-KR"/>
-              <a:t>!</a:t>
-            </a:r>
-          </a:p>
-          <a:p>
-            <a:pPr marL="742950" lvl="1" indent="-285750">
-              <a:buFont typeface="Arial" panose="020B0604020202020204" pitchFamily="34" charset="0"/>
-              <a:buChar char="•"/>
-            </a:pPr>
-            <a:r>
-              <a:rPr kumimoji="1" lang="en-US" altLang="ko-KR">
-                <a:hlinkClick r:id="rId6"/>
-              </a:rPr>
-              <a:t>https://unity3d.com/learn/tutorials</a:t>
-            </a:r>
-            <a:r>
-              <a:rPr kumimoji="1" lang="ko-KR" altLang="en-US"/>
-              <a:t> 유니티 홈페이지 튜토리얼 목록이에요</a:t>
-            </a:r>
-            <a:r>
-              <a:rPr kumimoji="1" lang="en-US" altLang="ko-KR"/>
-              <a:t>.</a:t>
-            </a:r>
-          </a:p>
-          <a:p>
-            <a:pPr marL="1200150" lvl="2" indent="-285750">
-              <a:buFont typeface="Arial" panose="020B0604020202020204" pitchFamily="34" charset="0"/>
-              <a:buChar char="•"/>
-            </a:pPr>
-            <a:r>
-              <a:rPr kumimoji="1" lang="ko-KR" altLang="en-US"/>
-              <a:t>노 코딩 튜토리얼도 많답니다</a:t>
-            </a:r>
-            <a:r>
-              <a:rPr kumimoji="1" lang="en-US" altLang="ko-KR"/>
-              <a:t>!</a:t>
-            </a:r>
-            <a:r>
-              <a:rPr kumimoji="1" lang="ko-KR" altLang="en-US"/>
-              <a:t> </a:t>
-            </a:r>
-            <a:endParaRPr kumimoji="1" lang="en-US" altLang="ko-KR"/>
-          </a:p>
-          <a:p>
-            <a:pPr marL="1200150" lvl="2" indent="-285750">
-              <a:buFont typeface="Arial" panose="020B0604020202020204" pitchFamily="34" charset="0"/>
-              <a:buChar char="•"/>
-            </a:pPr>
-            <a:r>
-              <a:rPr kumimoji="1" lang="ko-KR" altLang="en-US"/>
-              <a:t>전 유니티 공식 홈페이지에 있는 자료로만 공부 했어요</a:t>
-            </a:r>
-            <a:r>
-              <a:rPr kumimoji="1" lang="en-US" altLang="ko-KR"/>
-              <a:t>.</a:t>
-            </a:r>
-          </a:p>
-          <a:p>
-            <a:pPr marL="1200150" lvl="2" indent="-285750">
-              <a:buFont typeface="Arial" panose="020B0604020202020204" pitchFamily="34" charset="0"/>
-              <a:buChar char="•"/>
-            </a:pPr>
-            <a:r>
-              <a:rPr kumimoji="1" lang="en-US" altLang="ko-KR"/>
-              <a:t>(</a:t>
-            </a:r>
-            <a:r>
-              <a:rPr kumimoji="1" lang="ko-KR" altLang="en-US" strike="sngStrike"/>
-              <a:t>교과서 위주로 공부했</a:t>
-            </a:r>
-            <a:r>
-              <a:rPr kumimoji="1" lang="en-US" altLang="ko-KR"/>
-              <a:t>)</a:t>
-            </a:r>
-          </a:p>
-          <a:p>
-            <a:pPr lvl="2"/>
-            <a:endParaRPr kumimoji="1" lang="en-US" altLang="ko-KR"/>
-          </a:p>
-          <a:p>
-            <a:endParaRPr kumimoji="1" lang="en-US" altLang="ko-KR"/>
-          </a:p>
-          <a:p>
-            <a:endParaRPr kumimoji="1" lang="en-US" altLang="ko-KR"/>
-          </a:p>
-          <a:p>
-            <a:pPr marL="285750" indent="-285750">
-              <a:buFont typeface="Arial" panose="020B0604020202020204" pitchFamily="34" charset="0"/>
-              <a:buChar char="•"/>
-            </a:pPr>
-            <a:endParaRPr kumimoji="1" lang="en-US" altLang="ko-KR"/>
-          </a:p>
-          <a:p>
-            <a:endParaRPr kumimoji="1" lang="en-US" altLang="ko-KR"/>
-          </a:p>
-          <a:p>
-            <a:pPr marL="285750" indent="-285750">
-              <a:buFont typeface="Arial" panose="020B0604020202020204" pitchFamily="34" charset="0"/>
-              <a:buChar char="•"/>
-            </a:pPr>
-            <a:endParaRPr kumimoji="1" lang="en-US" altLang="ko-KR" dirty="0"/>
+              <a:rPr kumimoji="1" lang="ko-KR" altLang="en-US" dirty="0"/>
+              <a:t>애니메이션 스크립팅</a:t>
+            </a:r>
+            <a:endParaRPr kumimoji="1" lang="ko-KR" altLang="en-US" dirty="0">
+              <a:solidFill>
+                <a:srgbClr val="FF0000"/>
+              </a:solidFill>
+            </a:endParaRPr>
           </a:p>
         </p:txBody>
       </p:sp>
     </p:spTree>
     <p:extLst>
       <p:ext uri="{BB962C8B-B14F-4D97-AF65-F5344CB8AC3E}">
-        <p14:creationId xmlns:p14="http://schemas.microsoft.com/office/powerpoint/2010/main" val="30765571"/>
+        <p14:creationId xmlns:p14="http://schemas.microsoft.com/office/powerpoint/2010/main" val="1499189179"/>
       </p:ext>
     </p:extLst>
   </p:cSld>
@@ -5827,6 +5594,651 @@
         </p:nvSpPr>
         <p:spPr>
           <a:xfrm>
+            <a:off x="1028700" y="1078609"/>
+            <a:ext cx="9996999" cy="6463308"/>
+          </a:xfrm>
+          <a:prstGeom prst="rect">
+            <a:avLst/>
+          </a:prstGeom>
+          <a:noFill/>
+        </p:spPr>
+        <p:txBody>
+          <a:bodyPr wrap="square" rtlCol="0">
+            <a:spAutoFit/>
+          </a:bodyPr>
+          <a:lstStyle/>
+          <a:p>
+            <a:pPr marL="285750" indent="-285750">
+              <a:buFont typeface="Arial" panose="020B0604020202020204" pitchFamily="34" charset="0"/>
+              <a:buChar char="•"/>
+            </a:pPr>
+            <a:r>
+              <a:rPr kumimoji="1" lang="en-US" altLang="ko-KR" strike="sngStrike"/>
+              <a:t>2</a:t>
+            </a:r>
+            <a:r>
+              <a:rPr kumimoji="1" lang="ko-KR" altLang="en-US" strike="sngStrike"/>
+              <a:t>주차 스크립팅 기본 </a:t>
+            </a:r>
+            <a:r>
+              <a:rPr kumimoji="1" lang="en-US" altLang="ko-KR" strike="sngStrike"/>
+              <a:t>–</a:t>
+            </a:r>
+            <a:r>
+              <a:rPr kumimoji="1" lang="ko-KR" altLang="en-US" strike="sngStrike"/>
+              <a:t> 우리가 원하는 동작을 명령하자</a:t>
+            </a:r>
+            <a:r>
+              <a:rPr kumimoji="1" lang="en-US" altLang="ko-KR" strike="sngStrike"/>
+              <a:t>!</a:t>
+            </a:r>
+          </a:p>
+          <a:p>
+            <a:pPr marL="285750" indent="-285750">
+              <a:buFont typeface="Arial" panose="020B0604020202020204" pitchFamily="34" charset="0"/>
+              <a:buChar char="•"/>
+            </a:pPr>
+            <a:endParaRPr kumimoji="1" lang="en-US" altLang="ko-KR"/>
+          </a:p>
+          <a:p>
+            <a:pPr marL="285750" indent="-285750">
+              <a:buFont typeface="Arial" panose="020B0604020202020204" pitchFamily="34" charset="0"/>
+              <a:buChar char="•"/>
+            </a:pPr>
+            <a:r>
+              <a:rPr kumimoji="1" lang="en-US" altLang="ko-KR" strike="sngStrike"/>
+              <a:t>3</a:t>
+            </a:r>
+            <a:r>
+              <a:rPr kumimoji="1" lang="ko-KR" altLang="en-US" strike="sngStrike"/>
+              <a:t>주차 애니메이팅 기본 </a:t>
+            </a:r>
+            <a:r>
+              <a:rPr kumimoji="1" lang="en-US" altLang="ko-KR" strike="sngStrike"/>
+              <a:t>–</a:t>
+            </a:r>
+            <a:r>
+              <a:rPr kumimoji="1" lang="ko-KR" altLang="en-US" strike="sngStrike"/>
+              <a:t> 애니메이션을 만들어보고 우리가 원하는 타이밍에 재생하자</a:t>
+            </a:r>
+            <a:r>
+              <a:rPr kumimoji="1" lang="en-US" altLang="ko-KR" strike="sngStrike"/>
+              <a:t>!</a:t>
+            </a:r>
+          </a:p>
+          <a:p>
+            <a:pPr marL="742950" lvl="1" indent="-285750">
+              <a:buFont typeface="Arial" panose="020B0604020202020204" pitchFamily="34" charset="0"/>
+              <a:buChar char="•"/>
+            </a:pPr>
+            <a:r>
+              <a:rPr kumimoji="1" lang="ko-KR" altLang="en-US" strike="sngStrike"/>
+              <a:t>푸드덕연새에 애니메이션을 달아봅시다</a:t>
+            </a:r>
+            <a:r>
+              <a:rPr kumimoji="1" lang="en-US" altLang="ko-KR" strike="sngStrike"/>
+              <a:t>.</a:t>
+            </a:r>
+          </a:p>
+          <a:p>
+            <a:pPr marL="285750" indent="-285750">
+              <a:buFont typeface="Arial" panose="020B0604020202020204" pitchFamily="34" charset="0"/>
+              <a:buChar char="•"/>
+            </a:pPr>
+            <a:endParaRPr kumimoji="1" lang="en-US" altLang="ko-KR"/>
+          </a:p>
+          <a:p>
+            <a:pPr marL="285750" indent="-285750">
+              <a:buFont typeface="Arial" panose="020B0604020202020204" pitchFamily="34" charset="0"/>
+              <a:buChar char="•"/>
+            </a:pPr>
+            <a:r>
+              <a:rPr kumimoji="1" lang="en-US" altLang="ko-KR">
+                <a:solidFill>
+                  <a:srgbClr val="00B0F0"/>
+                </a:solidFill>
+              </a:rPr>
+              <a:t>4</a:t>
+            </a:r>
+            <a:r>
+              <a:rPr kumimoji="1" lang="ko-KR" altLang="en-US">
+                <a:solidFill>
+                  <a:srgbClr val="00B0F0"/>
+                </a:solidFill>
+              </a:rPr>
+              <a:t>주차 </a:t>
+            </a:r>
+            <a:r>
+              <a:rPr kumimoji="1" lang="en-US" altLang="ko-KR">
+                <a:solidFill>
+                  <a:srgbClr val="00B0F0"/>
+                </a:solidFill>
+              </a:rPr>
+              <a:t>UI</a:t>
+            </a:r>
+            <a:r>
+              <a:rPr kumimoji="1" lang="ko-KR" altLang="en-US">
+                <a:solidFill>
+                  <a:srgbClr val="00B0F0"/>
+                </a:solidFill>
+              </a:rPr>
+              <a:t>와 게임 뼈대 </a:t>
+            </a:r>
+            <a:r>
+              <a:rPr kumimoji="1" lang="en-US" altLang="ko-KR">
+                <a:solidFill>
+                  <a:srgbClr val="00B0F0"/>
+                </a:solidFill>
+              </a:rPr>
+              <a:t>–</a:t>
+            </a:r>
+            <a:r>
+              <a:rPr kumimoji="1" lang="ko-KR" altLang="en-US">
+                <a:solidFill>
+                  <a:srgbClr val="00B0F0"/>
+                </a:solidFill>
+              </a:rPr>
+              <a:t> 게임의 기본 로직은 만들었어</a:t>
+            </a:r>
+            <a:r>
+              <a:rPr kumimoji="1" lang="en-US" altLang="ko-KR">
+                <a:solidFill>
+                  <a:srgbClr val="00B0F0"/>
+                </a:solidFill>
+              </a:rPr>
+              <a:t>.</a:t>
+            </a:r>
+            <a:r>
+              <a:rPr kumimoji="1" lang="ko-KR" altLang="en-US">
+                <a:solidFill>
+                  <a:srgbClr val="00B0F0"/>
+                </a:solidFill>
+              </a:rPr>
+              <a:t> 게임 </a:t>
+            </a:r>
+            <a:r>
+              <a:rPr kumimoji="1" lang="en-US" altLang="ko-KR">
+                <a:solidFill>
+                  <a:srgbClr val="00B0F0"/>
+                </a:solidFill>
+              </a:rPr>
+              <a:t>LifeCycle</a:t>
+            </a:r>
+            <a:r>
+              <a:rPr kumimoji="1" lang="ko-KR" altLang="en-US">
+                <a:solidFill>
+                  <a:srgbClr val="00B0F0"/>
+                </a:solidFill>
+              </a:rPr>
+              <a:t>을 만들어 보자</a:t>
+            </a:r>
+            <a:r>
+              <a:rPr kumimoji="1" lang="en-US" altLang="ko-KR">
+                <a:solidFill>
+                  <a:srgbClr val="00B0F0"/>
+                </a:solidFill>
+              </a:rPr>
+              <a:t>!</a:t>
+            </a:r>
+          </a:p>
+          <a:p>
+            <a:pPr marL="285750" indent="-285750">
+              <a:buFont typeface="Arial" panose="020B0604020202020204" pitchFamily="34" charset="0"/>
+              <a:buChar char="•"/>
+            </a:pPr>
+            <a:endParaRPr kumimoji="1" lang="en-US" altLang="ko-KR"/>
+          </a:p>
+          <a:p>
+            <a:pPr marL="285750" indent="-285750">
+              <a:buFont typeface="Arial" panose="020B0604020202020204" pitchFamily="34" charset="0"/>
+              <a:buChar char="•"/>
+            </a:pPr>
+            <a:r>
+              <a:rPr kumimoji="1" lang="ko-KR" altLang="en-US"/>
+              <a:t>다음 세미나 전까지 혼자 공부하려면 뭘 할까요</a:t>
+            </a:r>
+            <a:r>
+              <a:rPr kumimoji="1" lang="en-US" altLang="ko-KR"/>
+              <a:t>?</a:t>
+            </a:r>
+          </a:p>
+          <a:p>
+            <a:pPr marL="742950" lvl="1" indent="-285750">
+              <a:buFont typeface="Arial" panose="020B0604020202020204" pitchFamily="34" charset="0"/>
+              <a:buChar char="•"/>
+            </a:pPr>
+            <a:r>
+              <a:rPr kumimoji="1" lang="ko-KR" altLang="en-US"/>
+              <a:t>오늘 내용 복습 해 주시면 감사 ㅎㅎ</a:t>
+            </a:r>
+            <a:r>
+              <a:rPr kumimoji="1" lang="en-US" altLang="ko-KR"/>
+              <a:t>...</a:t>
+            </a:r>
+          </a:p>
+          <a:p>
+            <a:pPr marL="742950" lvl="1" indent="-285750">
+              <a:buFont typeface="Arial" panose="020B0604020202020204" pitchFamily="34" charset="0"/>
+              <a:buChar char="•"/>
+            </a:pPr>
+            <a:r>
+              <a:rPr kumimoji="1" lang="en-US" altLang="ko-KR">
+                <a:hlinkClick r:id="rId5"/>
+              </a:rPr>
+              <a:t>https://docs.unity3d.com/Manual/index.html</a:t>
+            </a:r>
+            <a:r>
+              <a:rPr kumimoji="1" lang="ko-KR" altLang="en-US"/>
+              <a:t> 유니티 홈페이지 메뉴얼입니다</a:t>
+            </a:r>
+            <a:r>
+              <a:rPr kumimoji="1" lang="en-US" altLang="ko-KR"/>
+              <a:t>.</a:t>
+            </a:r>
+          </a:p>
+          <a:p>
+            <a:pPr marL="1200150" lvl="2" indent="-285750">
+              <a:buFont typeface="Arial" panose="020B0604020202020204" pitchFamily="34" charset="0"/>
+              <a:buChar char="•"/>
+            </a:pPr>
+            <a:r>
+              <a:rPr kumimoji="1" lang="ko-KR" altLang="en-US"/>
+              <a:t>내용이 넘나리 방대하니</a:t>
+            </a:r>
+            <a:r>
+              <a:rPr kumimoji="1" lang="en-US" altLang="ko-KR"/>
+              <a:t>...</a:t>
+            </a:r>
+            <a:r>
+              <a:rPr kumimoji="1" lang="ko-KR" altLang="en-US"/>
+              <a:t> </a:t>
+            </a:r>
+            <a:r>
+              <a:rPr kumimoji="1" lang="en-US" altLang="ko-KR"/>
+              <a:t>Working in Unity </a:t>
+            </a:r>
+            <a:r>
+              <a:rPr kumimoji="1" lang="ko-KR" altLang="en-US"/>
+              <a:t>항목만 책 읽듯이 읽어도 도움되요</a:t>
+            </a:r>
+            <a:r>
+              <a:rPr kumimoji="1" lang="en-US" altLang="ko-KR"/>
+              <a:t>.</a:t>
+            </a:r>
+          </a:p>
+          <a:p>
+            <a:pPr marL="1200150" lvl="2" indent="-285750">
+              <a:buFont typeface="Arial" panose="020B0604020202020204" pitchFamily="34" charset="0"/>
+              <a:buChar char="•"/>
+            </a:pPr>
+            <a:r>
+              <a:rPr kumimoji="1" lang="ko-KR" altLang="en-US"/>
+              <a:t>거기서도 기본 내용만</a:t>
+            </a:r>
+            <a:r>
+              <a:rPr kumimoji="1" lang="en-US" altLang="ko-KR"/>
+              <a:t>!</a:t>
+            </a:r>
+          </a:p>
+          <a:p>
+            <a:pPr marL="1200150" lvl="2" indent="-285750">
+              <a:buFont typeface="Arial" panose="020B0604020202020204" pitchFamily="34" charset="0"/>
+              <a:buChar char="•"/>
+            </a:pPr>
+            <a:r>
+              <a:rPr kumimoji="1" lang="ko-KR" altLang="en-US"/>
+              <a:t>한국어도 지원되요</a:t>
+            </a:r>
+            <a:r>
+              <a:rPr kumimoji="1" lang="en-US" altLang="ko-KR"/>
+              <a:t>!</a:t>
+            </a:r>
+          </a:p>
+          <a:p>
+            <a:pPr marL="742950" lvl="1" indent="-285750">
+              <a:buFont typeface="Arial" panose="020B0604020202020204" pitchFamily="34" charset="0"/>
+              <a:buChar char="•"/>
+            </a:pPr>
+            <a:r>
+              <a:rPr kumimoji="1" lang="en-US" altLang="ko-KR">
+                <a:hlinkClick r:id="rId6"/>
+              </a:rPr>
+              <a:t>https://unity3d.com/learn/tutorials</a:t>
+            </a:r>
+            <a:r>
+              <a:rPr kumimoji="1" lang="ko-KR" altLang="en-US"/>
+              <a:t> 유니티 홈페이지 튜토리얼 목록이에요</a:t>
+            </a:r>
+            <a:r>
+              <a:rPr kumimoji="1" lang="en-US" altLang="ko-KR"/>
+              <a:t>.</a:t>
+            </a:r>
+          </a:p>
+          <a:p>
+            <a:pPr marL="1200150" lvl="2" indent="-285750">
+              <a:buFont typeface="Arial" panose="020B0604020202020204" pitchFamily="34" charset="0"/>
+              <a:buChar char="•"/>
+            </a:pPr>
+            <a:r>
+              <a:rPr kumimoji="1" lang="ko-KR" altLang="en-US"/>
+              <a:t>노 코딩 튜토리얼도 많답니다</a:t>
+            </a:r>
+            <a:r>
+              <a:rPr kumimoji="1" lang="en-US" altLang="ko-KR"/>
+              <a:t>!</a:t>
+            </a:r>
+            <a:r>
+              <a:rPr kumimoji="1" lang="ko-KR" altLang="en-US"/>
+              <a:t> </a:t>
+            </a:r>
+            <a:endParaRPr kumimoji="1" lang="en-US" altLang="ko-KR"/>
+          </a:p>
+          <a:p>
+            <a:pPr marL="1200150" lvl="2" indent="-285750">
+              <a:buFont typeface="Arial" panose="020B0604020202020204" pitchFamily="34" charset="0"/>
+              <a:buChar char="•"/>
+            </a:pPr>
+            <a:r>
+              <a:rPr kumimoji="1" lang="ko-KR" altLang="en-US"/>
+              <a:t>전 유니티 공식 홈페이지에 있는 자료로만 공부 했어요</a:t>
+            </a:r>
+            <a:r>
+              <a:rPr kumimoji="1" lang="en-US" altLang="ko-KR"/>
+              <a:t>.</a:t>
+            </a:r>
+          </a:p>
+          <a:p>
+            <a:pPr marL="1200150" lvl="2" indent="-285750">
+              <a:buFont typeface="Arial" panose="020B0604020202020204" pitchFamily="34" charset="0"/>
+              <a:buChar char="•"/>
+            </a:pPr>
+            <a:r>
+              <a:rPr kumimoji="1" lang="en-US" altLang="ko-KR"/>
+              <a:t>(</a:t>
+            </a:r>
+            <a:r>
+              <a:rPr kumimoji="1" lang="ko-KR" altLang="en-US" strike="sngStrike"/>
+              <a:t>교과서 위주로 공부했</a:t>
+            </a:r>
+            <a:r>
+              <a:rPr kumimoji="1" lang="en-US" altLang="ko-KR"/>
+              <a:t>)</a:t>
+            </a:r>
+          </a:p>
+          <a:p>
+            <a:pPr lvl="2"/>
+            <a:endParaRPr kumimoji="1" lang="en-US" altLang="ko-KR"/>
+          </a:p>
+          <a:p>
+            <a:endParaRPr kumimoji="1" lang="en-US" altLang="ko-KR"/>
+          </a:p>
+          <a:p>
+            <a:endParaRPr kumimoji="1" lang="en-US" altLang="ko-KR"/>
+          </a:p>
+          <a:p>
+            <a:pPr marL="285750" indent="-285750">
+              <a:buFont typeface="Arial" panose="020B0604020202020204" pitchFamily="34" charset="0"/>
+              <a:buChar char="•"/>
+            </a:pPr>
+            <a:endParaRPr kumimoji="1" lang="en-US" altLang="ko-KR"/>
+          </a:p>
+          <a:p>
+            <a:endParaRPr kumimoji="1" lang="en-US" altLang="ko-KR"/>
+          </a:p>
+          <a:p>
+            <a:pPr marL="285750" indent="-285750">
+              <a:buFont typeface="Arial" panose="020B0604020202020204" pitchFamily="34" charset="0"/>
+              <a:buChar char="•"/>
+            </a:pPr>
+            <a:endParaRPr kumimoji="1" lang="en-US" altLang="ko-KR" dirty="0"/>
+          </a:p>
+        </p:txBody>
+      </p:sp>
+    </p:spTree>
+    <p:extLst>
+      <p:ext uri="{BB962C8B-B14F-4D97-AF65-F5344CB8AC3E}">
+        <p14:creationId xmlns:p14="http://schemas.microsoft.com/office/powerpoint/2010/main" val="30765571"/>
+      </p:ext>
+    </p:extLst>
+  </p:cSld>
+  <p:clrMapOvr>
+    <a:masterClrMapping/>
+  </p:clrMapOvr>
+</p:sld>
+</file>
+
+<file path=ppt/slides/slide14.xml><?xml version="1.0" encoding="utf-8"?>
+<p:sld xmlns:a="http://schemas.openxmlformats.org/drawingml/2006/main" xmlns:r="http://schemas.openxmlformats.org/officeDocument/2006/relationships" xmlns:p="http://schemas.openxmlformats.org/presentationml/2006/main">
+  <p:cSld>
+    <p:spTree>
+      <p:nvGrpSpPr>
+        <p:cNvPr id="1" name=""/>
+        <p:cNvGrpSpPr/>
+        <p:nvPr/>
+      </p:nvGrpSpPr>
+      <p:grpSpPr>
+        <a:xfrm>
+          <a:off x="0" y="0"/>
+          <a:ext cx="0" cy="0"/>
+          <a:chOff x="0" y="0"/>
+          <a:chExt cx="0" cy="0"/>
+        </a:xfrm>
+      </p:grpSpPr>
+      <p:sp>
+        <p:nvSpPr>
+          <p:cNvPr id="2" name="제목 1">
+            <a:extLst>
+              <a:ext uri="{FF2B5EF4-FFF2-40B4-BE49-F238E27FC236}">
+                <a16:creationId xmlns:a16="http://schemas.microsoft.com/office/drawing/2014/main" id="{9E5E3F8F-0813-7540-8C82-82D7D49460EB}"/>
+              </a:ext>
+            </a:extLst>
+          </p:cNvPr>
+          <p:cNvSpPr>
+            <a:spLocks noGrp="1"/>
+          </p:cNvSpPr>
+          <p:nvPr>
+            <p:ph type="title"/>
+          </p:nvPr>
+        </p:nvSpPr>
+        <p:spPr>
+          <a:xfrm>
+            <a:off x="1028700" y="190501"/>
+            <a:ext cx="2886075" cy="2486024"/>
+          </a:xfrm>
+          <a:noFill/>
+        </p:spPr>
+        <p:txBody>
+          <a:bodyPr vert="horz" lIns="91440" tIns="45720" rIns="91440" bIns="45720" rtlCol="0" anchor="ctr">
+            <a:normAutofit/>
+          </a:bodyPr>
+          <a:lstStyle/>
+          <a:p>
+            <a:pPr algn="ctr" latinLnBrk="0"/>
+            <a:r>
+              <a:rPr kumimoji="1" lang="en-US" altLang="ko-KR" sz="3600" dirty="0">
+                <a:solidFill>
+                  <a:schemeClr val="bg1"/>
+                </a:solidFill>
+              </a:rPr>
+              <a:t>Unity</a:t>
+            </a:r>
+          </a:p>
+        </p:txBody>
+      </p:sp>
+      <p:sp>
+        <p:nvSpPr>
+          <p:cNvPr id="3" name="TextBox 2">
+            <a:extLst>
+              <a:ext uri="{FF2B5EF4-FFF2-40B4-BE49-F238E27FC236}">
+                <a16:creationId xmlns:a16="http://schemas.microsoft.com/office/drawing/2014/main" id="{CC1EF9F3-BEE4-F34E-BFD4-4A1565F265D7}"/>
+              </a:ext>
+            </a:extLst>
+          </p:cNvPr>
+          <p:cNvSpPr txBox="1"/>
+          <p:nvPr/>
+        </p:nvSpPr>
+        <p:spPr>
+          <a:xfrm>
+            <a:off x="417682" y="358496"/>
+            <a:ext cx="3134119" cy="461665"/>
+          </a:xfrm>
+          <a:prstGeom prst="rect">
+            <a:avLst/>
+          </a:prstGeom>
+          <a:noFill/>
+        </p:spPr>
+        <p:txBody>
+          <a:bodyPr wrap="square" rtlCol="0">
+            <a:spAutoFit/>
+          </a:bodyPr>
+          <a:lstStyle/>
+          <a:p>
+            <a:r>
+              <a:rPr kumimoji="1" lang="ko-KR" altLang="en-US" sz="2400" b="1">
+                <a:latin typeface="Nanum Gothic" panose="020D0604000000000000" pitchFamily="34" charset="-127"/>
+                <a:ea typeface="Nanum Gothic" panose="020D0604000000000000" pitchFamily="34" charset="-127"/>
+              </a:rPr>
+              <a:t>앞으론 무엇을</a:t>
+            </a:r>
+            <a:r>
+              <a:rPr kumimoji="1" lang="en-US" altLang="ko-KR" sz="2400" b="1">
+                <a:latin typeface="Nanum Gothic" panose="020D0604000000000000" pitchFamily="34" charset="-127"/>
+                <a:ea typeface="Nanum Gothic" panose="020D0604000000000000" pitchFamily="34" charset="-127"/>
+              </a:rPr>
+              <a:t>?</a:t>
+            </a:r>
+            <a:endParaRPr kumimoji="1" lang="ko-KR" altLang="en-US" sz="2400" b="1" dirty="0">
+              <a:latin typeface="Nanum Gothic" panose="020D0604000000000000" pitchFamily="34" charset="-127"/>
+              <a:ea typeface="Nanum Gothic" panose="020D0604000000000000" pitchFamily="34" charset="-127"/>
+            </a:endParaRPr>
+          </a:p>
+        </p:txBody>
+      </p:sp>
+      <p:grpSp>
+        <p:nvGrpSpPr>
+          <p:cNvPr id="16" name="그룹 15">
+            <a:extLst>
+              <a:ext uri="{FF2B5EF4-FFF2-40B4-BE49-F238E27FC236}">
+                <a16:creationId xmlns:a16="http://schemas.microsoft.com/office/drawing/2014/main" id="{8B73BD2B-05D2-7A48-9BE4-432275738C15}"/>
+              </a:ext>
+            </a:extLst>
+          </p:cNvPr>
+          <p:cNvGrpSpPr/>
+          <p:nvPr/>
+        </p:nvGrpSpPr>
+        <p:grpSpPr>
+          <a:xfrm>
+            <a:off x="175204" y="5659124"/>
+            <a:ext cx="1554592" cy="1008375"/>
+            <a:chOff x="8310086" y="90522"/>
+            <a:chExt cx="3410482" cy="2212185"/>
+          </a:xfrm>
+        </p:grpSpPr>
+        <p:pic>
+          <p:nvPicPr>
+            <p:cNvPr id="13" name="그림 12">
+              <a:extLst>
+                <a:ext uri="{FF2B5EF4-FFF2-40B4-BE49-F238E27FC236}">
+                  <a16:creationId xmlns:a16="http://schemas.microsoft.com/office/drawing/2014/main" id="{663B21CE-C17A-044A-B39C-AA259028708F}"/>
+                </a:ext>
+              </a:extLst>
+            </p:cNvPr>
+            <p:cNvPicPr>
+              <a:picLocks noChangeAspect="1"/>
+            </p:cNvPicPr>
+            <p:nvPr/>
+          </p:nvPicPr>
+          <p:blipFill>
+            <a:blip r:embed="rId2"/>
+            <a:stretch>
+              <a:fillRect/>
+            </a:stretch>
+          </p:blipFill>
+          <p:spPr>
+            <a:xfrm>
+              <a:off x="10767149" y="109113"/>
+              <a:ext cx="953419" cy="953419"/>
+            </a:xfrm>
+            <a:prstGeom prst="rect">
+              <a:avLst/>
+            </a:prstGeom>
+          </p:spPr>
+        </p:pic>
+        <p:pic>
+          <p:nvPicPr>
+            <p:cNvPr id="14" name="그림 13">
+              <a:extLst>
+                <a:ext uri="{FF2B5EF4-FFF2-40B4-BE49-F238E27FC236}">
+                  <a16:creationId xmlns:a16="http://schemas.microsoft.com/office/drawing/2014/main" id="{C0AC6B22-CA30-5345-B3F0-86C5FF988880}"/>
+                </a:ext>
+              </a:extLst>
+            </p:cNvPr>
+            <p:cNvPicPr>
+              <a:picLocks noChangeAspect="1"/>
+            </p:cNvPicPr>
+            <p:nvPr/>
+          </p:nvPicPr>
+          <p:blipFill>
+            <a:blip r:embed="rId3"/>
+            <a:stretch>
+              <a:fillRect/>
+            </a:stretch>
+          </p:blipFill>
+          <p:spPr>
+            <a:xfrm>
+              <a:off x="8310086" y="1062532"/>
+              <a:ext cx="3410482" cy="1240175"/>
+            </a:xfrm>
+            <a:prstGeom prst="rect">
+              <a:avLst/>
+            </a:prstGeom>
+          </p:spPr>
+        </p:pic>
+        <p:pic>
+          <p:nvPicPr>
+            <p:cNvPr id="15" name="그림 14">
+              <a:extLst>
+                <a:ext uri="{FF2B5EF4-FFF2-40B4-BE49-F238E27FC236}">
+                  <a16:creationId xmlns:a16="http://schemas.microsoft.com/office/drawing/2014/main" id="{7901AC1D-2980-B548-9AFD-9A1AED37A428}"/>
+                </a:ext>
+              </a:extLst>
+            </p:cNvPr>
+            <p:cNvPicPr>
+              <a:picLocks noChangeAspect="1"/>
+            </p:cNvPicPr>
+            <p:nvPr/>
+          </p:nvPicPr>
+          <p:blipFill>
+            <a:blip r:embed="rId4"/>
+            <a:stretch>
+              <a:fillRect/>
+            </a:stretch>
+          </p:blipFill>
+          <p:spPr>
+            <a:xfrm>
+              <a:off x="9405727" y="90522"/>
+              <a:ext cx="1219200" cy="990600"/>
+            </a:xfrm>
+            <a:prstGeom prst="rect">
+              <a:avLst/>
+            </a:prstGeom>
+          </p:spPr>
+        </p:pic>
+      </p:grpSp>
+      <p:sp>
+        <p:nvSpPr>
+          <p:cNvPr id="23" name="TextBox 22">
+            <a:extLst>
+              <a:ext uri="{FF2B5EF4-FFF2-40B4-BE49-F238E27FC236}">
+                <a16:creationId xmlns:a16="http://schemas.microsoft.com/office/drawing/2014/main" id="{3A3B5B77-7EB8-A547-85D1-8025721EB993}"/>
+              </a:ext>
+            </a:extLst>
+          </p:cNvPr>
+          <p:cNvSpPr txBox="1"/>
+          <p:nvPr/>
+        </p:nvSpPr>
+        <p:spPr>
+          <a:xfrm>
             <a:off x="674627" y="988156"/>
             <a:ext cx="9996999" cy="2308324"/>
           </a:xfrm>
@@ -5990,7 +6402,7 @@
 </p:sld>
 </file>
 
-<file path=ppt/slides/slide14.xml><?xml version="1.0" encoding="utf-8"?>
+<file path=ppt/slides/slide15.xml><?xml version="1.0" encoding="utf-8"?>
 <p:sld xmlns:a="http://schemas.openxmlformats.org/drawingml/2006/main" xmlns:r="http://schemas.openxmlformats.org/officeDocument/2006/relationships" xmlns:p="http://schemas.openxmlformats.org/presentationml/2006/main">
   <p:cSld>
     <p:spTree>
@@ -7820,8 +8232,8 @@
         </p:nvSpPr>
         <p:spPr>
           <a:xfrm>
-            <a:off x="1028700" y="190501"/>
-            <a:ext cx="2886075" cy="2486024"/>
+            <a:off x="1028700" y="1649505"/>
+            <a:ext cx="2886075" cy="1027019"/>
           </a:xfrm>
           <a:noFill/>
         </p:spPr>
@@ -7838,7 +8250,7 @@
                   <a:schemeClr val="bg1"/>
                 </a:solidFill>
               </a:rPr>
-              <a:t>Unity</a:t>
+              <a:t>ity</a:t>
             </a:r>
           </a:p>
         </p:txBody>
@@ -7858,7 +8270,7 @@
         <p:spPr>
           <a:xfrm>
             <a:off x="417682" y="358496"/>
-            <a:ext cx="3134119" cy="461665"/>
+            <a:ext cx="3643330" cy="461665"/>
           </a:xfrm>
           <a:prstGeom prst="rect">
             <a:avLst/>
@@ -7872,13 +8284,13 @@
           <a:lstStyle/>
           <a:p>
             <a:r>
-              <a:rPr kumimoji="1" lang="ko-KR" altLang="en-US" sz="2400" b="1">
+              <a:rPr kumimoji="1" lang="ko-KR" altLang="en-US" sz="2400" b="1" dirty="0">
                 <a:latin typeface="Nanum Gothic" panose="020D0604000000000000" pitchFamily="34" charset="-127"/>
                 <a:ea typeface="Nanum Gothic" panose="020D0604000000000000" pitchFamily="34" charset="-127"/>
               </a:rPr>
-              <a:t>리소스 불러오기</a:t>
-            </a:r>
-            <a:endParaRPr kumimoji="1" lang="ko-KR" altLang="en-US" sz="2400" b="1" dirty="0">
+              <a:t>프로젝트 세팅</a:t>
+            </a:r>
+            <a:endParaRPr kumimoji="1" lang="en-US" altLang="ko-KR" sz="2400" b="1" dirty="0">
               <a:latin typeface="Nanum Gothic" panose="020D0604000000000000" pitchFamily="34" charset="-127"/>
               <a:ea typeface="Nanum Gothic" panose="020D0604000000000000" pitchFamily="34" charset="-127"/>
             </a:endParaRPr>
@@ -7998,10 +8410,10 @@
       </p:grpSp>
       <p:sp>
         <p:nvSpPr>
-          <p:cNvPr id="23" name="TextBox 22">
-            <a:extLst>
-              <a:ext uri="{FF2B5EF4-FFF2-40B4-BE49-F238E27FC236}">
-                <a16:creationId xmlns:a16="http://schemas.microsoft.com/office/drawing/2014/main" id="{3A3B5B77-7EB8-A547-85D1-8025721EB993}"/>
+          <p:cNvPr id="10" name="TextBox 9">
+            <a:extLst>
+              <a:ext uri="{FF2B5EF4-FFF2-40B4-BE49-F238E27FC236}">
+                <a16:creationId xmlns:a16="http://schemas.microsoft.com/office/drawing/2014/main" id="{35F095B8-377B-054D-AE48-483E61DFD0C8}"/>
               </a:ext>
             </a:extLst>
           </p:cNvPr>
@@ -8011,7 +8423,7 @@
         <p:spPr>
           <a:xfrm>
             <a:off x="1028700" y="1078609"/>
-            <a:ext cx="9996999" cy="2585323"/>
+            <a:ext cx="9996999" cy="1200329"/>
           </a:xfrm>
           <a:prstGeom prst="rect">
             <a:avLst/>
@@ -8024,171 +8436,44 @@
           </a:bodyPr>
           <a:lstStyle/>
           <a:p>
-            <a:pPr marL="285750" indent="-285750">
-              <a:buFont typeface="Arial" panose="020B0604020202020204" pitchFamily="34" charset="0"/>
-              <a:buChar char="•"/>
-            </a:pPr>
             <a:r>
               <a:rPr kumimoji="1" lang="ko-KR" altLang="en-US" dirty="0"/>
-              <a:t>링크된 곳에서 불러오기</a:t>
+              <a:t>카메라 사이즈 </a:t>
             </a:r>
             <a:r>
               <a:rPr kumimoji="1" lang="en-US" altLang="ko-KR" dirty="0"/>
-              <a:t>.</a:t>
-            </a:r>
-          </a:p>
-          <a:p>
-            <a:pPr marL="285750" indent="-285750">
-              <a:buFont typeface="Arial" panose="020B0604020202020204" pitchFamily="34" charset="0"/>
-              <a:buChar char="•"/>
-            </a:pPr>
-            <a:r>
-              <a:rPr kumimoji="1" lang="en-US" altLang="ko-KR" dirty="0">
-                <a:hlinkClick r:id="rId5"/>
-              </a:rPr>
-              <a:t>https://github.com/jjunCoder/PoolC_UnitySeminar_Basic_2019/archive/master.zip</a:t>
-            </a:r>
+              <a:t>10</a:t>
+            </a:r>
+          </a:p>
+          <a:p>
+            <a:r>
+              <a:rPr kumimoji="1" lang="ko-KR" altLang="en-US" dirty="0"/>
+              <a:t>플레이어 스케일 </a:t>
+            </a:r>
+            <a:r>
+              <a:rPr kumimoji="1" lang="en-US" altLang="ko-KR" dirty="0"/>
+              <a:t>0.5</a:t>
+            </a:r>
+          </a:p>
+          <a:p>
+            <a:r>
+              <a:rPr kumimoji="1" lang="ko-KR" altLang="en-US" dirty="0"/>
+              <a:t>게임 뷰 화면비율 </a:t>
+            </a:r>
+            <a:r>
+              <a:rPr kumimoji="1" lang="en-US" altLang="ko-KR" dirty="0"/>
+              <a:t>9:16</a:t>
+            </a:r>
+          </a:p>
+          <a:p>
             <a:endParaRPr kumimoji="1" lang="en-US" altLang="ko-KR" dirty="0"/>
-          </a:p>
-          <a:p>
-            <a:pPr marL="285750" indent="-285750">
-              <a:buFont typeface="Arial" panose="020B0604020202020204" pitchFamily="34" charset="0"/>
-              <a:buChar char="•"/>
-            </a:pPr>
-            <a:r>
-              <a:rPr kumimoji="1" lang="ko-KR" altLang="en-US" dirty="0"/>
-              <a:t> </a:t>
-            </a:r>
-            <a:r>
-              <a:rPr kumimoji="1" lang="en-US" altLang="ko-KR" dirty="0"/>
-              <a:t>-</a:t>
-            </a:r>
-            <a:r>
-              <a:rPr kumimoji="1" lang="ko-KR" altLang="en-US" dirty="0"/>
-              <a:t> </a:t>
-            </a:r>
-            <a:r>
-              <a:rPr kumimoji="1" lang="en-US" altLang="ko-KR" dirty="0"/>
-              <a:t>Github, zip</a:t>
-            </a:r>
-            <a:r>
-              <a:rPr kumimoji="1" lang="ko-KR" altLang="en-US" dirty="0"/>
-              <a:t>형식으로 받아지니 압축 푸시고 사용하시면 됩니다</a:t>
-            </a:r>
-            <a:r>
-              <a:rPr kumimoji="1" lang="en-US" altLang="ko-KR" dirty="0"/>
-              <a:t>.</a:t>
-            </a:r>
-          </a:p>
-          <a:p>
-            <a:pPr marL="285750" indent="-285750">
-              <a:buFont typeface="Arial" panose="020B0604020202020204" pitchFamily="34" charset="0"/>
-              <a:buChar char="•"/>
-            </a:pPr>
-            <a:endParaRPr kumimoji="1" lang="en-US" altLang="ko-KR" dirty="0"/>
-          </a:p>
-          <a:p>
-            <a:pPr marL="285750" indent="-285750">
-              <a:buFont typeface="Arial" panose="020B0604020202020204" pitchFamily="34" charset="0"/>
-              <a:buChar char="•"/>
-            </a:pPr>
-            <a:r>
-              <a:rPr kumimoji="1" lang="ko-KR" altLang="en-US" dirty="0"/>
-              <a:t>프로젝트 디렉토리 경로</a:t>
-            </a:r>
-            <a:endParaRPr kumimoji="1" lang="en-US" altLang="ko-KR" dirty="0"/>
-          </a:p>
-          <a:p>
-            <a:pPr marL="285750" indent="-285750">
-              <a:buFont typeface="Arial" panose="020B0604020202020204" pitchFamily="34" charset="0"/>
-              <a:buChar char="•"/>
-            </a:pPr>
-            <a:r>
-              <a:rPr kumimoji="1" lang="ko-KR" altLang="en-US" dirty="0"/>
-              <a:t> </a:t>
-            </a:r>
-            <a:r>
-              <a:rPr kumimoji="1" lang="en-US" altLang="ko-KR" dirty="0"/>
-              <a:t>-</a:t>
-            </a:r>
-            <a:r>
-              <a:rPr kumimoji="1" lang="ko-KR" altLang="en-US" dirty="0"/>
-              <a:t> </a:t>
-            </a:r>
-            <a:r>
-              <a:rPr kumimoji="1" lang="en-US" altLang="ko-KR" dirty="0"/>
-              <a:t>/Assets/Image </a:t>
-            </a:r>
-            <a:r>
-              <a:rPr kumimoji="1" lang="ko-KR" altLang="en-US" dirty="0"/>
-              <a:t>라는 폴더 만들기</a:t>
-            </a:r>
-            <a:r>
-              <a:rPr kumimoji="1" lang="en-US" altLang="ko-KR" dirty="0"/>
-              <a:t>.</a:t>
-            </a:r>
-          </a:p>
-          <a:p>
-            <a:pPr marL="285750" indent="-285750">
-              <a:buFont typeface="Arial" panose="020B0604020202020204" pitchFamily="34" charset="0"/>
-              <a:buChar char="•"/>
-            </a:pPr>
-            <a:r>
-              <a:rPr kumimoji="1" lang="ko-KR" altLang="en-US" dirty="0"/>
-              <a:t> </a:t>
-            </a:r>
-            <a:r>
-              <a:rPr kumimoji="1" lang="en-US" altLang="ko-KR" dirty="0"/>
-              <a:t>-</a:t>
-            </a:r>
-            <a:r>
-              <a:rPr kumimoji="1" lang="ko-KR" altLang="en-US" dirty="0"/>
-              <a:t> 그위에 다운받은 이미지를 드래그 </a:t>
-            </a:r>
-            <a:r>
-              <a:rPr kumimoji="1" lang="en-US" altLang="ko-KR" dirty="0"/>
-              <a:t>&amp;</a:t>
-            </a:r>
-            <a:r>
-              <a:rPr kumimoji="1" lang="ko-KR" altLang="en-US" dirty="0"/>
-              <a:t> 드롭</a:t>
-            </a:r>
-            <a:r>
-              <a:rPr kumimoji="1" lang="en-US" altLang="ko-KR" dirty="0"/>
-              <a:t>!</a:t>
-            </a:r>
-          </a:p>
-          <a:p>
-            <a:pPr marL="285750" indent="-285750">
-              <a:buFont typeface="Arial" panose="020B0604020202020204" pitchFamily="34" charset="0"/>
-              <a:buChar char="•"/>
-            </a:pPr>
-            <a:r>
-              <a:rPr kumimoji="1" lang="ko-KR" altLang="en-US" dirty="0"/>
-              <a:t> </a:t>
-            </a:r>
-            <a:endParaRPr kumimoji="1" lang="en-US" altLang="ko-KR" dirty="0"/>
-          </a:p>
-          <a:p>
-            <a:pPr marL="285750" indent="-285750">
-              <a:buFont typeface="Arial" panose="020B0604020202020204" pitchFamily="34" charset="0"/>
-              <a:buChar char="•"/>
-            </a:pPr>
-            <a:r>
-              <a:rPr kumimoji="1" lang="ko-KR" altLang="en-US" dirty="0"/>
-              <a:t>불러왔습니다</a:t>
-            </a:r>
-            <a:r>
-              <a:rPr kumimoji="1" lang="en-US" altLang="ko-KR" dirty="0"/>
-              <a:t>!</a:t>
-            </a:r>
           </a:p>
         </p:txBody>
       </p:sp>
     </p:spTree>
     <p:extLst>
       <p:ext uri="{BB962C8B-B14F-4D97-AF65-F5344CB8AC3E}">
-        <p14:creationId xmlns:p14="http://schemas.microsoft.com/office/powerpoint/2010/main" val="2504967223"/>
+        <p14:creationId xmlns:p14="http://schemas.microsoft.com/office/powerpoint/2010/main" val="4234285537"/>
       </p:ext>
     </p:extLst>
   </p:cSld>
@@ -8289,7 +8574,7 @@
                 <a:latin typeface="Nanum Gothic" panose="020D0604000000000000" pitchFamily="34" charset="-127"/>
                 <a:ea typeface="Nanum Gothic" panose="020D0604000000000000" pitchFamily="34" charset="-127"/>
               </a:rPr>
-              <a:t>스프라이트 이용하기</a:t>
+              <a:t>리소스 불러오기</a:t>
             </a:r>
             <a:endParaRPr kumimoji="1" lang="ko-KR" altLang="en-US" sz="2400" b="1" dirty="0">
               <a:latin typeface="Nanum Gothic" panose="020D0604000000000000" pitchFamily="34" charset="-127"/>
@@ -8424,7 +8709,7 @@
         <p:spPr>
           <a:xfrm>
             <a:off x="1028700" y="1078609"/>
-            <a:ext cx="9996999" cy="1477328"/>
+            <a:ext cx="9996999" cy="2585323"/>
           </a:xfrm>
           <a:prstGeom prst="rect">
             <a:avLst/>
@@ -8442,8 +8727,12 @@
               <a:buChar char="•"/>
             </a:pPr>
             <a:r>
+              <a:rPr kumimoji="1" lang="ko-KR" altLang="en-US" dirty="0"/>
+              <a:t>링크된 곳에서 불러오기</a:t>
+            </a:r>
+            <a:r>
               <a:rPr kumimoji="1" lang="en-US" altLang="ko-KR" dirty="0"/>
-              <a:t>BirdSprite</a:t>
+              <a:t>.</a:t>
             </a:r>
           </a:p>
           <a:p>
@@ -8452,9 +8741,12 @@
               <a:buChar char="•"/>
             </a:pPr>
             <a:r>
-              <a:rPr kumimoji="1" lang="en-US" altLang="ko-KR" dirty="0"/>
-              <a:t>Select multiple</a:t>
-            </a:r>
+              <a:rPr kumimoji="1" lang="en-US" altLang="ko-KR" dirty="0">
+                <a:hlinkClick r:id="rId5"/>
+              </a:rPr>
+              <a:t>https://github.com/jjunCoder/PoolC_UnitySeminar_Basic_2019/archive/master.zip</a:t>
+            </a:r>
+            <a:endParaRPr kumimoji="1" lang="en-US" altLang="ko-KR" dirty="0"/>
           </a:p>
           <a:p>
             <a:pPr marL="285750" indent="-285750">
@@ -8462,18 +8754,28 @@
               <a:buChar char="•"/>
             </a:pPr>
             <a:r>
+              <a:rPr kumimoji="1" lang="ko-KR" altLang="en-US" dirty="0"/>
+              <a:t> </a:t>
+            </a:r>
+            <a:r>
               <a:rPr kumimoji="1" lang="en-US" altLang="ko-KR" dirty="0"/>
-              <a:t>Slice</a:t>
-            </a:r>
-          </a:p>
-          <a:p>
-            <a:pPr marL="285750" indent="-285750">
-              <a:buFont typeface="Arial" panose="020B0604020202020204" pitchFamily="34" charset="0"/>
-              <a:buChar char="•"/>
-            </a:pPr>
+              <a:t>-</a:t>
+            </a:r>
+            <a:r>
+              <a:rPr kumimoji="1" lang="ko-KR" altLang="en-US" dirty="0"/>
+              <a:t> </a:t>
+            </a:r>
             <a:r>
               <a:rPr kumimoji="1" lang="en-US" altLang="ko-KR" dirty="0"/>
-              <a:t>Apply</a:t>
+              <a:t>Github, zip</a:t>
+            </a:r>
+            <a:r>
+              <a:rPr kumimoji="1" lang="ko-KR" altLang="en-US" dirty="0"/>
+              <a:t>형식으로 받아지니 압축 푸시고 사용하시면 됩니다</a:t>
+            </a:r>
+            <a:r>
+              <a:rPr kumimoji="1" lang="en-US" altLang="ko-KR" dirty="0"/>
+              <a:t>.</a:t>
             </a:r>
           </a:p>
           <a:p>
@@ -8483,12 +8785,108 @@
             </a:pPr>
             <a:endParaRPr kumimoji="1" lang="en-US" altLang="ko-KR" dirty="0"/>
           </a:p>
+          <a:p>
+            <a:pPr marL="285750" indent="-285750">
+              <a:buFont typeface="Arial" panose="020B0604020202020204" pitchFamily="34" charset="0"/>
+              <a:buChar char="•"/>
+            </a:pPr>
+            <a:r>
+              <a:rPr kumimoji="1" lang="ko-KR" altLang="en-US" dirty="0"/>
+              <a:t>프로젝트 디렉토리 경로</a:t>
+            </a:r>
+            <a:endParaRPr kumimoji="1" lang="en-US" altLang="ko-KR" dirty="0"/>
+          </a:p>
+          <a:p>
+            <a:pPr marL="285750" indent="-285750">
+              <a:buFont typeface="Arial" panose="020B0604020202020204" pitchFamily="34" charset="0"/>
+              <a:buChar char="•"/>
+            </a:pPr>
+            <a:r>
+              <a:rPr kumimoji="1" lang="ko-KR" altLang="en-US" dirty="0"/>
+              <a:t> </a:t>
+            </a:r>
+            <a:r>
+              <a:rPr kumimoji="1" lang="en-US" altLang="ko-KR" dirty="0"/>
+              <a:t>-</a:t>
+            </a:r>
+            <a:r>
+              <a:rPr kumimoji="1" lang="ko-KR" altLang="en-US" dirty="0"/>
+              <a:t> </a:t>
+            </a:r>
+            <a:r>
+              <a:rPr kumimoji="1" lang="en-US" altLang="ko-KR" dirty="0"/>
+              <a:t>/Assets/Image </a:t>
+            </a:r>
+            <a:r>
+              <a:rPr kumimoji="1" lang="ko-KR" altLang="en-US" dirty="0"/>
+              <a:t>라는 폴더 만들기</a:t>
+            </a:r>
+            <a:r>
+              <a:rPr kumimoji="1" lang="en-US" altLang="ko-KR" dirty="0"/>
+              <a:t>.</a:t>
+            </a:r>
+          </a:p>
+          <a:p>
+            <a:pPr marL="285750" indent="-285750">
+              <a:buFont typeface="Arial" panose="020B0604020202020204" pitchFamily="34" charset="0"/>
+              <a:buChar char="•"/>
+            </a:pPr>
+            <a:r>
+              <a:rPr kumimoji="1" lang="ko-KR" altLang="en-US" dirty="0"/>
+              <a:t> </a:t>
+            </a:r>
+            <a:r>
+              <a:rPr kumimoji="1" lang="en-US" altLang="ko-KR" dirty="0"/>
+              <a:t>-</a:t>
+            </a:r>
+            <a:r>
+              <a:rPr kumimoji="1" lang="ko-KR" altLang="en-US" dirty="0"/>
+              <a:t> 그위에 다운받은 이미지를 드래그 </a:t>
+            </a:r>
+            <a:r>
+              <a:rPr kumimoji="1" lang="en-US" altLang="ko-KR" dirty="0"/>
+              <a:t>&amp;</a:t>
+            </a:r>
+            <a:r>
+              <a:rPr kumimoji="1" lang="ko-KR" altLang="en-US" dirty="0"/>
+              <a:t> 드롭</a:t>
+            </a:r>
+            <a:r>
+              <a:rPr kumimoji="1" lang="en-US" altLang="ko-KR" dirty="0"/>
+              <a:t>!</a:t>
+            </a:r>
+          </a:p>
+          <a:p>
+            <a:pPr marL="285750" indent="-285750">
+              <a:buFont typeface="Arial" panose="020B0604020202020204" pitchFamily="34" charset="0"/>
+              <a:buChar char="•"/>
+            </a:pPr>
+            <a:r>
+              <a:rPr kumimoji="1" lang="ko-KR" altLang="en-US" dirty="0"/>
+              <a:t> </a:t>
+            </a:r>
+            <a:endParaRPr kumimoji="1" lang="en-US" altLang="ko-KR" dirty="0"/>
+          </a:p>
+          <a:p>
+            <a:pPr marL="285750" indent="-285750">
+              <a:buFont typeface="Arial" panose="020B0604020202020204" pitchFamily="34" charset="0"/>
+              <a:buChar char="•"/>
+            </a:pPr>
+            <a:r>
+              <a:rPr kumimoji="1" lang="ko-KR" altLang="en-US" dirty="0"/>
+              <a:t>불러왔습니다</a:t>
+            </a:r>
+            <a:r>
+              <a:rPr kumimoji="1" lang="en-US" altLang="ko-KR" dirty="0"/>
+              <a:t>!</a:t>
+            </a:r>
+          </a:p>
         </p:txBody>
       </p:sp>
     </p:spTree>
     <p:extLst>
       <p:ext uri="{BB962C8B-B14F-4D97-AF65-F5344CB8AC3E}">
-        <p14:creationId xmlns:p14="http://schemas.microsoft.com/office/powerpoint/2010/main" val="991914112"/>
+        <p14:creationId xmlns:p14="http://schemas.microsoft.com/office/powerpoint/2010/main" val="2504967223"/>
       </p:ext>
     </p:extLst>
   </p:cSld>
@@ -8571,7 +8969,7 @@
         <p:spPr>
           <a:xfrm>
             <a:off x="417682" y="358496"/>
-            <a:ext cx="4835636" cy="461665"/>
+            <a:ext cx="3134119" cy="461665"/>
           </a:xfrm>
           <a:prstGeom prst="rect">
             <a:avLst/>
@@ -8589,7 +8987,7 @@
                 <a:latin typeface="Nanum Gothic" panose="020D0604000000000000" pitchFamily="34" charset="-127"/>
                 <a:ea typeface="Nanum Gothic" panose="020D0604000000000000" pitchFamily="34" charset="-127"/>
               </a:rPr>
-              <a:t>애니메이션 클립</a:t>
+              <a:t>스프라이트 이용하기</a:t>
             </a:r>
             <a:endParaRPr kumimoji="1" lang="ko-KR" altLang="en-US" sz="2400" b="1" dirty="0">
               <a:latin typeface="Nanum Gothic" panose="020D0604000000000000" pitchFamily="34" charset="-127"/>
@@ -8724,7 +9122,7 @@
         <p:spPr>
           <a:xfrm>
             <a:off x="1028700" y="1078609"/>
-            <a:ext cx="9996999" cy="3970318"/>
+            <a:ext cx="9996999" cy="1477328"/>
           </a:xfrm>
           <a:prstGeom prst="rect">
             <a:avLst/>
@@ -8742,10 +9140,39 @@
               <a:buChar char="•"/>
             </a:pPr>
             <a:r>
-              <a:rPr kumimoji="1" lang="ko-KR" altLang="en-US" dirty="0"/>
-              <a:t>애니메이션 클립이란</a:t>
-            </a:r>
-            <a:endParaRPr kumimoji="1" lang="en-US" altLang="ko-KR" dirty="0"/>
+              <a:rPr kumimoji="1" lang="en-US" altLang="ko-KR" dirty="0"/>
+              <a:t>BirdSprite</a:t>
+            </a:r>
+          </a:p>
+          <a:p>
+            <a:pPr marL="285750" indent="-285750">
+              <a:buFont typeface="Arial" panose="020B0604020202020204" pitchFamily="34" charset="0"/>
+              <a:buChar char="•"/>
+            </a:pPr>
+            <a:r>
+              <a:rPr kumimoji="1" lang="en-US" altLang="ko-KR" dirty="0"/>
+              <a:t>Select multiple</a:t>
+            </a:r>
+          </a:p>
+          <a:p>
+            <a:pPr marL="285750" indent="-285750">
+              <a:buFont typeface="Arial" panose="020B0604020202020204" pitchFamily="34" charset="0"/>
+              <a:buChar char="•"/>
+            </a:pPr>
+            <a:r>
+              <a:rPr kumimoji="1" lang="en-US" altLang="ko-KR" dirty="0"/>
+              <a:t>Slice</a:t>
+            </a:r>
+          </a:p>
+          <a:p>
+            <a:pPr marL="285750" indent="-285750">
+              <a:buFont typeface="Arial" panose="020B0604020202020204" pitchFamily="34" charset="0"/>
+              <a:buChar char="•"/>
+            </a:pPr>
+            <a:r>
+              <a:rPr kumimoji="1" lang="en-US" altLang="ko-KR" dirty="0"/>
+              <a:t>Apply</a:t>
+            </a:r>
           </a:p>
           <a:p>
             <a:pPr marL="285750" indent="-285750">
@@ -8754,139 +9181,12 @@
             </a:pPr>
             <a:endParaRPr kumimoji="1" lang="en-US" altLang="ko-KR" dirty="0"/>
           </a:p>
-          <a:p>
-            <a:pPr marL="285750" indent="-285750">
-              <a:buFont typeface="Arial" panose="020B0604020202020204" pitchFamily="34" charset="0"/>
-              <a:buChar char="•"/>
-            </a:pPr>
-            <a:r>
-              <a:rPr kumimoji="1" lang="ko-KR" altLang="en-US" dirty="0"/>
-              <a:t>애니메이션 클립 파일 생성하기</a:t>
-            </a:r>
-            <a:endParaRPr kumimoji="1" lang="en-US" altLang="ko-KR" dirty="0"/>
-          </a:p>
-          <a:p>
-            <a:pPr marL="285750" indent="-285750">
-              <a:buFont typeface="Arial" panose="020B0604020202020204" pitchFamily="34" charset="0"/>
-              <a:buChar char="•"/>
-            </a:pPr>
-            <a:endParaRPr kumimoji="1" lang="en-US" altLang="ko-KR" dirty="0"/>
-          </a:p>
-          <a:p>
-            <a:pPr marL="285750" indent="-285750">
-              <a:buFont typeface="Arial" panose="020B0604020202020204" pitchFamily="34" charset="0"/>
-              <a:buChar char="•"/>
-            </a:pPr>
-            <a:r>
-              <a:rPr kumimoji="1" lang="ko-KR" altLang="en-US" dirty="0"/>
-              <a:t>애니메이션 컨트롤러</a:t>
-            </a:r>
-            <a:r>
-              <a:rPr kumimoji="1" lang="en-US" altLang="ko-KR" dirty="0"/>
-              <a:t>,</a:t>
-            </a:r>
-            <a:r>
-              <a:rPr kumimoji="1" lang="ko-KR" altLang="en-US" dirty="0"/>
-              <a:t> 클립</a:t>
-            </a:r>
-            <a:endParaRPr kumimoji="1" lang="en-US" altLang="ko-KR" dirty="0"/>
-          </a:p>
-          <a:p>
-            <a:pPr marL="285750" indent="-285750">
-              <a:buFont typeface="Arial" panose="020B0604020202020204" pitchFamily="34" charset="0"/>
-              <a:buChar char="•"/>
-            </a:pPr>
-            <a:endParaRPr kumimoji="1" lang="en-US" altLang="ko-KR" dirty="0"/>
-          </a:p>
-          <a:p>
-            <a:pPr marL="285750" indent="-285750">
-              <a:buFont typeface="Arial" panose="020B0604020202020204" pitchFamily="34" charset="0"/>
-              <a:buChar char="•"/>
-            </a:pPr>
-            <a:r>
-              <a:rPr kumimoji="1" lang="ko-KR" altLang="en-US" dirty="0"/>
-              <a:t>애니메이터 뷰</a:t>
-            </a:r>
-            <a:endParaRPr kumimoji="1" lang="en-US" altLang="ko-KR" dirty="0"/>
-          </a:p>
-          <a:p>
-            <a:pPr marL="285750" indent="-285750">
-              <a:buFont typeface="Arial" panose="020B0604020202020204" pitchFamily="34" charset="0"/>
-              <a:buChar char="•"/>
-            </a:pPr>
-            <a:endParaRPr kumimoji="1" lang="en-US" altLang="ko-KR" dirty="0"/>
-          </a:p>
-          <a:p>
-            <a:pPr marL="285750" indent="-285750">
-              <a:buFont typeface="Arial" panose="020B0604020202020204" pitchFamily="34" charset="0"/>
-              <a:buChar char="•"/>
-            </a:pPr>
-            <a:r>
-              <a:rPr kumimoji="1" lang="ko-KR" altLang="en-US" dirty="0"/>
-              <a:t>애니메이션 뷰</a:t>
-            </a:r>
-            <a:endParaRPr kumimoji="1" lang="en-US" altLang="ko-KR" dirty="0"/>
-          </a:p>
-          <a:p>
-            <a:pPr marL="285750" indent="-285750">
-              <a:buFont typeface="Arial" panose="020B0604020202020204" pitchFamily="34" charset="0"/>
-              <a:buChar char="•"/>
-            </a:pPr>
-            <a:endParaRPr kumimoji="1" lang="en-US" altLang="ko-KR" dirty="0"/>
-          </a:p>
-          <a:p>
-            <a:pPr marL="285750" indent="-285750">
-              <a:buFont typeface="Arial" panose="020B0604020202020204" pitchFamily="34" charset="0"/>
-              <a:buChar char="•"/>
-            </a:pPr>
-            <a:r>
-              <a:rPr kumimoji="1" lang="ko-KR" altLang="en-US" dirty="0"/>
-              <a:t>애니메이션 클립 생성하기</a:t>
-            </a:r>
-            <a:endParaRPr kumimoji="1" lang="en-US" altLang="ko-KR" dirty="0"/>
-          </a:p>
-          <a:p>
-            <a:pPr marL="285750" indent="-285750">
-              <a:buFont typeface="Arial" panose="020B0604020202020204" pitchFamily="34" charset="0"/>
-              <a:buChar char="•"/>
-            </a:pPr>
-            <a:endParaRPr kumimoji="1" lang="en-US" altLang="ko-KR" dirty="0"/>
-          </a:p>
-          <a:p>
-            <a:pPr marL="285750" indent="-285750">
-              <a:buFont typeface="Arial" panose="020B0604020202020204" pitchFamily="34" charset="0"/>
-              <a:buChar char="•"/>
-            </a:pPr>
-            <a:r>
-              <a:rPr kumimoji="1" lang="ko-KR" altLang="en-US" dirty="0"/>
-              <a:t>애니메이션 클립 속성 </a:t>
-            </a:r>
-            <a:r>
-              <a:rPr kumimoji="1" lang="en-US" altLang="ko-KR" dirty="0"/>
-              <a:t>(loop,</a:t>
-            </a:r>
-            <a:r>
-              <a:rPr kumimoji="1" lang="ko-KR" altLang="en-US" dirty="0"/>
-              <a:t> </a:t>
-            </a:r>
-            <a:r>
-              <a:rPr kumimoji="1" lang="en-US" altLang="ko-KR" dirty="0"/>
-              <a:t>speed)</a:t>
-            </a:r>
-          </a:p>
-          <a:p>
-            <a:pPr marL="285750" indent="-285750">
-              <a:buFont typeface="Arial" panose="020B0604020202020204" pitchFamily="34" charset="0"/>
-              <a:buChar char="•"/>
-            </a:pPr>
-            <a:endParaRPr kumimoji="1" lang="en-US" altLang="ko-KR" dirty="0"/>
-          </a:p>
         </p:txBody>
       </p:sp>
     </p:spTree>
     <p:extLst>
       <p:ext uri="{BB962C8B-B14F-4D97-AF65-F5344CB8AC3E}">
-        <p14:creationId xmlns:p14="http://schemas.microsoft.com/office/powerpoint/2010/main" val="4003936727"/>
+        <p14:creationId xmlns:p14="http://schemas.microsoft.com/office/powerpoint/2010/main" val="991914112"/>
       </p:ext>
     </p:extLst>
   </p:cSld>
@@ -8969,7 +9269,7 @@
         <p:spPr>
           <a:xfrm>
             <a:off x="417682" y="358496"/>
-            <a:ext cx="3134119" cy="461665"/>
+            <a:ext cx="4835636" cy="461665"/>
           </a:xfrm>
           <a:prstGeom prst="rect">
             <a:avLst/>
@@ -8987,7 +9287,7 @@
                 <a:latin typeface="Nanum Gothic" panose="020D0604000000000000" pitchFamily="34" charset="-127"/>
                 <a:ea typeface="Nanum Gothic" panose="020D0604000000000000" pitchFamily="34" charset="-127"/>
               </a:rPr>
-              <a:t>애니메이션 스테이트</a:t>
+              <a:t>애니메이션 클립</a:t>
             </a:r>
             <a:endParaRPr kumimoji="1" lang="ko-KR" altLang="en-US" sz="2400" b="1" dirty="0">
               <a:latin typeface="Nanum Gothic" panose="020D0604000000000000" pitchFamily="34" charset="-127"/>
@@ -9122,7 +9422,7 @@
         <p:spPr>
           <a:xfrm>
             <a:off x="1028700" y="1078609"/>
-            <a:ext cx="9996999" cy="4247317"/>
+            <a:ext cx="9996999" cy="3970318"/>
           </a:xfrm>
           <a:prstGeom prst="rect">
             <a:avLst/>
@@ -9141,12 +9441,9 @@
             </a:pPr>
             <a:r>
               <a:rPr kumimoji="1" lang="ko-KR" altLang="en-US" dirty="0"/>
-              <a:t>애니메이션 스테이트를 정의해봅시다</a:t>
-            </a:r>
-            <a:r>
-              <a:rPr kumimoji="1" lang="en-US" altLang="ko-KR" dirty="0"/>
-              <a:t>!</a:t>
-            </a:r>
+              <a:t>애니메이션 클립이란</a:t>
+            </a:r>
+            <a:endParaRPr kumimoji="1" lang="en-US" altLang="ko-KR" dirty="0"/>
           </a:p>
           <a:p>
             <a:pPr marL="285750" indent="-285750">
@@ -9162,7 +9459,7 @@
             </a:pPr>
             <a:r>
               <a:rPr kumimoji="1" lang="ko-KR" altLang="en-US" dirty="0"/>
-              <a:t>스테이트</a:t>
+              <a:t>애니메이션 클립 파일 생성하기</a:t>
             </a:r>
             <a:endParaRPr kumimoji="1" lang="en-US" altLang="ko-KR" dirty="0"/>
           </a:p>
@@ -9180,7 +9477,15 @@
             </a:pPr>
             <a:r>
               <a:rPr kumimoji="1" lang="ko-KR" altLang="en-US" dirty="0"/>
-              <a:t>스테이트 트렌지션</a:t>
+              <a:t>애니메이션 컨트롤러</a:t>
+            </a:r>
+            <a:r>
+              <a:rPr kumimoji="1" lang="en-US" altLang="ko-KR" dirty="0"/>
+              <a:t>,</a:t>
+            </a:r>
+            <a:r>
+              <a:rPr kumimoji="1" lang="ko-KR" altLang="en-US" dirty="0"/>
+              <a:t> 클립</a:t>
             </a:r>
             <a:endParaRPr kumimoji="1" lang="en-US" altLang="ko-KR" dirty="0"/>
           </a:p>
@@ -9198,7 +9503,7 @@
             </a:pPr>
             <a:r>
               <a:rPr kumimoji="1" lang="ko-KR" altLang="en-US" dirty="0"/>
-              <a:t>트렌지션 조건</a:t>
+              <a:t>애니메이터 뷰</a:t>
             </a:r>
             <a:endParaRPr kumimoji="1" lang="en-US" altLang="ko-KR" dirty="0"/>
           </a:p>
@@ -9216,7 +9521,7 @@
             </a:pPr>
             <a:r>
               <a:rPr kumimoji="1" lang="ko-KR" altLang="en-US" dirty="0"/>
-              <a:t>트렌지션 스피드</a:t>
+              <a:t>애니메이션 뷰</a:t>
             </a:r>
             <a:endParaRPr kumimoji="1" lang="en-US" altLang="ko-KR" dirty="0"/>
           </a:p>
@@ -9234,20 +9539,9 @@
             </a:pPr>
             <a:r>
               <a:rPr kumimoji="1" lang="ko-KR" altLang="en-US" dirty="0"/>
-              <a:t>트렌지션 믹스</a:t>
-            </a:r>
-            <a:r>
-              <a:rPr kumimoji="1" lang="en-US" altLang="ko-KR" dirty="0"/>
-              <a:t>,</a:t>
-            </a:r>
-            <a:r>
-              <a:rPr kumimoji="1" lang="ko-KR" altLang="en-US" dirty="0"/>
-              <a:t> </a:t>
-            </a:r>
-            <a:r>
-              <a:rPr kumimoji="1" lang="en-US" altLang="ko-KR" dirty="0"/>
-              <a:t>Exit time</a:t>
-            </a:r>
+              <a:t>애니메이션 클립 생성하기</a:t>
+            </a:r>
+            <a:endParaRPr kumimoji="1" lang="en-US" altLang="ko-KR" dirty="0"/>
           </a:p>
           <a:p>
             <a:pPr marL="285750" indent="-285750">
@@ -9263,19 +9557,19 @@
             </a:pPr>
             <a:r>
               <a:rPr kumimoji="1" lang="ko-KR" altLang="en-US" dirty="0"/>
-              <a:t>애니메이터 파라미터 </a:t>
+              <a:t>애니메이션 클립 속성 </a:t>
             </a:r>
             <a:r>
               <a:rPr kumimoji="1" lang="en-US" altLang="ko-KR" dirty="0"/>
-              <a:t>–</a:t>
+              <a:t>(loop,</a:t>
             </a:r>
             <a:r>
               <a:rPr kumimoji="1" lang="ko-KR" altLang="en-US" dirty="0"/>
-              <a:t> 트렌지션 조건 </a:t>
+              <a:t> </a:t>
             </a:r>
             <a:r>
               <a:rPr kumimoji="1" lang="en-US" altLang="ko-KR" dirty="0"/>
-              <a:t>( Float, int, Bool, Trigger )</a:t>
+              <a:t>speed)</a:t>
             </a:r>
           </a:p>
           <a:p>
@@ -9285,19 +9579,12 @@
             </a:pPr>
             <a:endParaRPr kumimoji="1" lang="en-US" altLang="ko-KR" dirty="0"/>
           </a:p>
-          <a:p>
-            <a:pPr marL="285750" indent="-285750">
-              <a:buFont typeface="Arial" panose="020B0604020202020204" pitchFamily="34" charset="0"/>
-              <a:buChar char="•"/>
-            </a:pPr>
-            <a:endParaRPr kumimoji="1" lang="en-US" altLang="ko-KR" dirty="0"/>
-          </a:p>
         </p:txBody>
       </p:sp>
     </p:spTree>
     <p:extLst>
       <p:ext uri="{BB962C8B-B14F-4D97-AF65-F5344CB8AC3E}">
-        <p14:creationId xmlns:p14="http://schemas.microsoft.com/office/powerpoint/2010/main" val="210510403"/>
+        <p14:creationId xmlns:p14="http://schemas.microsoft.com/office/powerpoint/2010/main" val="4003936727"/>
       </p:ext>
     </p:extLst>
   </p:cSld>
